--- a/output/ppPartyThemePresentation.pptx
+++ b/output/ppPartyThemePresentation.pptx
@@ -1710,10 +1710,7 @@
           <a:lstStyle>
             <a:lvl1pPr algn="l" indent="0" marL="0">
               <a:buNone/>
-              <a:defRPr lang="en-US" sz="2800" b="1" dirty="0">
-                <a:solidFill>
-                  <a:srgbClr val="090909"/>
-                </a:solidFill>
+              <a:defRPr lang="en-US" sz="2800" dirty="0">
                 <a:latin typeface="Book Antiqua" pitchFamily="34" charset="0"/>
                 <a:ea typeface="Book Antiqua" pitchFamily="34" charset="-122"/>
                 <a:cs typeface="Book Antiqua" pitchFamily="34" charset="-120"/>
@@ -1725,9 +1722,9 @@
               <a:buNone/>
             </a:pPr>
             <a:r>
-              <a:rPr lang="en-US" sz="2800" b="1" dirty="0">
-                <a:solidFill>
-                  <a:srgbClr val="090909"/>
+              <a:rPr lang="en-US" sz="2800" dirty="0">
+                <a:solidFill>
+                  <a:srgbClr val="000000"/>
                 </a:solidFill>
                 <a:latin typeface="Book Antiqua" pitchFamily="34" charset="0"/>
                 <a:ea typeface="Book Antiqua" pitchFamily="34" charset="-122"/>
@@ -1764,9 +1761,6 @@
             <a:lvl1pPr algn="l" indent="0" marL="0">
               <a:buNone/>
               <a:defRPr lang="en-US" sz="1800" dirty="0">
-                <a:solidFill>
-                  <a:srgbClr val="131212"/>
-                </a:solidFill>
                 <a:latin typeface="Book Antiqua" pitchFamily="34" charset="0"/>
                 <a:ea typeface="Book Antiqua" pitchFamily="34" charset="-122"/>
                 <a:cs typeface="Book Antiqua" pitchFamily="34" charset="-120"/>
@@ -1780,7 +1774,7 @@
             <a:r>
               <a:rPr lang="en-US" sz="1800" dirty="0">
                 <a:solidFill>
-                  <a:srgbClr val="131212"/>
+                  <a:srgbClr val="000000"/>
                 </a:solidFill>
                 <a:latin typeface="Book Antiqua" pitchFamily="34" charset="0"/>
                 <a:ea typeface="Book Antiqua" pitchFamily="34" charset="-122"/>
@@ -1817,9 +1811,6 @@
             <a:lvl1pPr algn="l" indent="0" marL="0">
               <a:buNone/>
               <a:defRPr lang="en-US" sz="1600" dirty="0">
-                <a:solidFill>
-                  <a:srgbClr val="131212"/>
-                </a:solidFill>
                 <a:latin typeface="Book Antiqua" pitchFamily="34" charset="0"/>
                 <a:ea typeface="Book Antiqua" pitchFamily="34" charset="-122"/>
                 <a:cs typeface="Book Antiqua" pitchFamily="34" charset="-120"/>
@@ -1833,7 +1824,7 @@
             <a:r>
               <a:rPr lang="en-US" sz="1600" dirty="0">
                 <a:solidFill>
-                  <a:srgbClr val="131212"/>
+                  <a:srgbClr val="000000"/>
                 </a:solidFill>
                 <a:latin typeface="Book Antiqua" pitchFamily="34" charset="0"/>
                 <a:ea typeface="Book Antiqua" pitchFamily="34" charset="-122"/>
@@ -1853,8 +1844,8 @@
         </p:nvSpPr>
         <p:spPr>
           <a:xfrm>
-            <a:off x="9144000" y="3657600"/>
-            <a:ext cx="3017520" cy="5943600"/>
+            <a:off x="9144000" y="6515100"/>
+            <a:ext cx="2743200" cy="256032"/>
           </a:xfrm>
           <a:prstGeom prst="rect">
             <a:avLst/>
@@ -1886,49 +1877,51 @@
       </p:sp>
       <p:sp>
         <p:nvSpPr>
-          <p:cNvPr id="25" name="Slide Number Placeholder 0"/>
-          <p:cNvSpPr>
-            <a:spLocks noGrp="1"/>
-          </p:cNvSpPr>
-          <p:nvPr>
-            <p:ph type="sldNum" sz="quarter" idx="4294967295"/>
-          </p:nvPr>
-        </p:nvSpPr>
-        <p:spPr>
-          <a:xfrm>
-            <a:off x="457200" y="6446520"/>
+          <p:cNvPr id="7" name="Text 2"/>
+          <p:cNvSpPr/>
+          <p:nvPr>
+            <p:ph idx="105" type="body" hasCustomPrompt="1"/>
+          </p:nvPr>
+        </p:nvSpPr>
+        <p:spPr>
+          <a:xfrm>
+            <a:off x="457200" y="6515100"/>
             <a:ext cx="640080" cy="365760"/>
           </a:xfrm>
           <a:prstGeom prst="rect">
             <a:avLst/>
           </a:prstGeom>
-          <a:extLst>
-            <a:ext uri="{C572A759-6A51-4108-AA02-DFA0A04FC94B}">
-              <ma14:wrappingTextBoxFlag xmlns:ma14="http://schemas.microsoft.com/office/mac/drawingml/2011/main" val="0"/>
-            </a:ext>
-          </a:extLst>
-        </p:spPr>
-        <p:txBody>
-          <a:bodyPr/>
+          <a:noFill/>
+          <a:ln/>
+        </p:spPr>
+        <p:txBody>
+          <a:bodyPr wrap="square" rtlCol="0"/>
           <a:lstStyle>
-            <a:lvl1pPr>
-              <a:defRPr sz="1200">
-                <a:solidFill>
-                  <a:srgbClr val="F41C76"/>
-                </a:solidFill>
-                <a:latin typeface="Calibri"/>
-                <a:ea typeface="Calibri"/>
-                <a:cs typeface="Calibri"/>
+            <a:lvl1pPr algn="ctr" indent="0" marL="0">
+              <a:buNone/>
+              <a:defRPr lang="en-US" sz="1200" dirty="0">
+                <a:latin typeface="Book Antiqua" pitchFamily="34" charset="0"/>
+                <a:ea typeface="Book Antiqua" pitchFamily="34" charset="-122"/>
+                <a:cs typeface="Book Antiqua" pitchFamily="34" charset="-120"/>
               </a:defRPr>
             </a:lvl1pPr>
           </a:lstStyle>
           <a:p>
-            <a:pPr algn="l"/>
-            <a:fld id="{F7021451-1387-4CA6-816F-3879F97B5CBC}" type="slidenum">
-              <a:rPr b="0" lang="en-US"/>
-              <a:t>1010</a:t>
-            </a:fld>
-            <a:endParaRPr lang="en-US"/>
+            <a:pPr algn="ctr" indent="0" marL="0">
+              <a:buNone/>
+            </a:pPr>
+            <a:r>
+              <a:rPr lang="en-US" sz="1200" dirty="0">
+                <a:solidFill>
+                  <a:srgbClr val="000000"/>
+                </a:solidFill>
+                <a:latin typeface="Book Antiqua" pitchFamily="34" charset="0"/>
+                <a:ea typeface="Book Antiqua" pitchFamily="34" charset="-122"/>
+                <a:cs typeface="Book Antiqua" pitchFamily="34" charset="-120"/>
+              </a:rPr>
+              <a:t>SlideNumber Placeholder</a:t>
+            </a:r>
+            <a:endParaRPr lang="en-US" sz="1200" dirty="0"/>
           </a:p>
         </p:txBody>
       </p:sp>
@@ -2008,10 +2001,7 @@
           <a:lstStyle>
             <a:lvl1pPr algn="l" indent="0" marL="0">
               <a:buNone/>
-              <a:defRPr lang="en-US" sz="2800" b="1" dirty="0">
-                <a:solidFill>
-                  <a:srgbClr val="090909"/>
-                </a:solidFill>
+              <a:defRPr lang="en-US" sz="2800" dirty="0">
                 <a:latin typeface="Book Antiqua" pitchFamily="34" charset="0"/>
                 <a:ea typeface="Book Antiqua" pitchFamily="34" charset="-122"/>
                 <a:cs typeface="Book Antiqua" pitchFamily="34" charset="-120"/>
@@ -2023,9 +2013,9 @@
               <a:buNone/>
             </a:pPr>
             <a:r>
-              <a:rPr lang="en-US" sz="2800" b="1" dirty="0">
-                <a:solidFill>
-                  <a:srgbClr val="090909"/>
+              <a:rPr lang="en-US" sz="2800" dirty="0">
+                <a:solidFill>
+                  <a:srgbClr val="000000"/>
                 </a:solidFill>
                 <a:latin typeface="Book Antiqua" pitchFamily="34" charset="0"/>
                 <a:ea typeface="Book Antiqua" pitchFamily="34" charset="-122"/>
@@ -2062,9 +2052,6 @@
             <a:lvl1pPr algn="l" indent="0" marL="0">
               <a:buNone/>
               <a:defRPr lang="en-US" sz="1800" dirty="0">
-                <a:solidFill>
-                  <a:srgbClr val="131212"/>
-                </a:solidFill>
                 <a:latin typeface="Book Antiqua" pitchFamily="34" charset="0"/>
                 <a:ea typeface="Book Antiqua" pitchFamily="34" charset="-122"/>
                 <a:cs typeface="Book Antiqua" pitchFamily="34" charset="-120"/>
@@ -2078,7 +2065,7 @@
             <a:r>
               <a:rPr lang="en-US" sz="1800" dirty="0">
                 <a:solidFill>
-                  <a:srgbClr val="131212"/>
+                  <a:srgbClr val="000000"/>
                 </a:solidFill>
                 <a:latin typeface="Book Antiqua" pitchFamily="34" charset="0"/>
                 <a:ea typeface="Book Antiqua" pitchFamily="34" charset="-122"/>
@@ -2115,9 +2102,6 @@
             <a:lvl1pPr algn="l" indent="0" marL="0">
               <a:buNone/>
               <a:defRPr lang="en-US" sz="1600" dirty="0">
-                <a:solidFill>
-                  <a:srgbClr val="131212"/>
-                </a:solidFill>
                 <a:latin typeface="Book Antiqua" pitchFamily="34" charset="0"/>
                 <a:ea typeface="Book Antiqua" pitchFamily="34" charset="-122"/>
                 <a:cs typeface="Book Antiqua" pitchFamily="34" charset="-120"/>
@@ -2131,7 +2115,7 @@
             <a:r>
               <a:rPr lang="en-US" sz="1600" dirty="0">
                 <a:solidFill>
-                  <a:srgbClr val="131212"/>
+                  <a:srgbClr val="000000"/>
                 </a:solidFill>
                 <a:latin typeface="Book Antiqua" pitchFamily="34" charset="0"/>
                 <a:ea typeface="Book Antiqua" pitchFamily="34" charset="-122"/>
@@ -2151,8 +2135,8 @@
         </p:nvSpPr>
         <p:spPr>
           <a:xfrm>
-            <a:off x="9144000" y="3657600"/>
-            <a:ext cx="3017520" cy="5943600"/>
+            <a:off x="9144000" y="6515100"/>
+            <a:ext cx="2743200" cy="256032"/>
           </a:xfrm>
           <a:prstGeom prst="rect">
             <a:avLst/>
@@ -2184,49 +2168,51 @@
       </p:sp>
       <p:sp>
         <p:nvSpPr>
-          <p:cNvPr id="25" name="Slide Number Placeholder 0"/>
-          <p:cNvSpPr>
-            <a:spLocks noGrp="1"/>
-          </p:cNvSpPr>
-          <p:nvPr>
-            <p:ph type="sldNum" sz="quarter" idx="4294967295"/>
-          </p:nvPr>
-        </p:nvSpPr>
-        <p:spPr>
-          <a:xfrm>
-            <a:off x="457200" y="6446520"/>
+          <p:cNvPr id="7" name="Text 2"/>
+          <p:cNvSpPr/>
+          <p:nvPr>
+            <p:ph idx="105" type="body" hasCustomPrompt="1"/>
+          </p:nvPr>
+        </p:nvSpPr>
+        <p:spPr>
+          <a:xfrm>
+            <a:off x="457200" y="6515100"/>
             <a:ext cx="640080" cy="365760"/>
           </a:xfrm>
           <a:prstGeom prst="rect">
             <a:avLst/>
           </a:prstGeom>
-          <a:extLst>
-            <a:ext uri="{C572A759-6A51-4108-AA02-DFA0A04FC94B}">
-              <ma14:wrappingTextBoxFlag xmlns:ma14="http://schemas.microsoft.com/office/mac/drawingml/2011/main" val="0"/>
-            </a:ext>
-          </a:extLst>
-        </p:spPr>
-        <p:txBody>
-          <a:bodyPr/>
+          <a:noFill/>
+          <a:ln/>
+        </p:spPr>
+        <p:txBody>
+          <a:bodyPr wrap="square" rtlCol="0"/>
           <a:lstStyle>
-            <a:lvl1pPr>
-              <a:defRPr sz="1200">
-                <a:solidFill>
-                  <a:srgbClr val="F41C76"/>
-                </a:solidFill>
-                <a:latin typeface="Calibri"/>
-                <a:ea typeface="Calibri"/>
-                <a:cs typeface="Calibri"/>
+            <a:lvl1pPr algn="ctr" indent="0" marL="0">
+              <a:buNone/>
+              <a:defRPr lang="en-US" sz="1200" dirty="0">
+                <a:latin typeface="Book Antiqua" pitchFamily="34" charset="0"/>
+                <a:ea typeface="Book Antiqua" pitchFamily="34" charset="-122"/>
+                <a:cs typeface="Book Antiqua" pitchFamily="34" charset="-120"/>
               </a:defRPr>
             </a:lvl1pPr>
           </a:lstStyle>
           <a:p>
-            <a:pPr algn="l"/>
-            <a:fld id="{F7021451-1387-4CA6-816F-3879F97B5CBC}" type="slidenum">
-              <a:rPr b="0" lang="en-US"/>
-              <a:t>1011</a:t>
-            </a:fld>
-            <a:endParaRPr lang="en-US"/>
+            <a:pPr algn="ctr" indent="0" marL="0">
+              <a:buNone/>
+            </a:pPr>
+            <a:r>
+              <a:rPr lang="en-US" sz="1200" dirty="0">
+                <a:solidFill>
+                  <a:srgbClr val="000000"/>
+                </a:solidFill>
+                <a:latin typeface="Book Antiqua" pitchFamily="34" charset="0"/>
+                <a:ea typeface="Book Antiqua" pitchFamily="34" charset="-122"/>
+                <a:cs typeface="Book Antiqua" pitchFamily="34" charset="-120"/>
+              </a:rPr>
+              <a:t>SlideNumber Placeholder</a:t>
+            </a:r>
+            <a:endParaRPr lang="en-US" sz="1200" dirty="0"/>
           </a:p>
         </p:txBody>
       </p:sp>
@@ -2306,10 +2292,7 @@
           <a:lstStyle>
             <a:lvl1pPr algn="l" indent="0" marL="0">
               <a:buNone/>
-              <a:defRPr lang="en-US" sz="2800" b="1" dirty="0">
-                <a:solidFill>
-                  <a:srgbClr val="090909"/>
-                </a:solidFill>
+              <a:defRPr lang="en-US" sz="2800" dirty="0">
                 <a:latin typeface="Book Antiqua" pitchFamily="34" charset="0"/>
                 <a:ea typeface="Book Antiqua" pitchFamily="34" charset="-122"/>
                 <a:cs typeface="Book Antiqua" pitchFamily="34" charset="-120"/>
@@ -2321,9 +2304,9 @@
               <a:buNone/>
             </a:pPr>
             <a:r>
-              <a:rPr lang="en-US" sz="2800" b="1" dirty="0">
-                <a:solidFill>
-                  <a:srgbClr val="090909"/>
+              <a:rPr lang="en-US" sz="2800" dirty="0">
+                <a:solidFill>
+                  <a:srgbClr val="000000"/>
                 </a:solidFill>
                 <a:latin typeface="Book Antiqua" pitchFamily="34" charset="0"/>
                 <a:ea typeface="Book Antiqua" pitchFamily="34" charset="-122"/>
@@ -2360,9 +2343,6 @@
             <a:lvl1pPr algn="l" indent="0" marL="0">
               <a:buNone/>
               <a:defRPr lang="en-US" sz="1800" dirty="0">
-                <a:solidFill>
-                  <a:srgbClr val="131212"/>
-                </a:solidFill>
                 <a:latin typeface="Book Antiqua" pitchFamily="34" charset="0"/>
                 <a:ea typeface="Book Antiqua" pitchFamily="34" charset="-122"/>
                 <a:cs typeface="Book Antiqua" pitchFamily="34" charset="-120"/>
@@ -2376,7 +2356,7 @@
             <a:r>
               <a:rPr lang="en-US" sz="1800" dirty="0">
                 <a:solidFill>
-                  <a:srgbClr val="131212"/>
+                  <a:srgbClr val="000000"/>
                 </a:solidFill>
                 <a:latin typeface="Book Antiqua" pitchFamily="34" charset="0"/>
                 <a:ea typeface="Book Antiqua" pitchFamily="34" charset="-122"/>
@@ -2413,9 +2393,6 @@
             <a:lvl1pPr algn="l" indent="0" marL="0">
               <a:buNone/>
               <a:defRPr lang="en-US" sz="1600" dirty="0">
-                <a:solidFill>
-                  <a:srgbClr val="131212"/>
-                </a:solidFill>
                 <a:latin typeface="Book Antiqua" pitchFamily="34" charset="0"/>
                 <a:ea typeface="Book Antiqua" pitchFamily="34" charset="-122"/>
                 <a:cs typeface="Book Antiqua" pitchFamily="34" charset="-120"/>
@@ -2429,7 +2406,7 @@
             <a:r>
               <a:rPr lang="en-US" sz="1600" dirty="0">
                 <a:solidFill>
-                  <a:srgbClr val="131212"/>
+                  <a:srgbClr val="000000"/>
                 </a:solidFill>
                 <a:latin typeface="Book Antiqua" pitchFamily="34" charset="0"/>
                 <a:ea typeface="Book Antiqua" pitchFamily="34" charset="-122"/>
@@ -2449,8 +2426,8 @@
         </p:nvSpPr>
         <p:spPr>
           <a:xfrm>
-            <a:off x="9144000" y="3657600"/>
-            <a:ext cx="3017520" cy="5943600"/>
+            <a:off x="9144000" y="6515100"/>
+            <a:ext cx="2743200" cy="256032"/>
           </a:xfrm>
           <a:prstGeom prst="rect">
             <a:avLst/>
@@ -2482,49 +2459,51 @@
       </p:sp>
       <p:sp>
         <p:nvSpPr>
-          <p:cNvPr id="25" name="Slide Number Placeholder 0"/>
-          <p:cNvSpPr>
-            <a:spLocks noGrp="1"/>
-          </p:cNvSpPr>
-          <p:nvPr>
-            <p:ph type="sldNum" sz="quarter" idx="4294967295"/>
-          </p:nvPr>
-        </p:nvSpPr>
-        <p:spPr>
-          <a:xfrm>
-            <a:off x="457200" y="6446520"/>
+          <p:cNvPr id="7" name="Text 2"/>
+          <p:cNvSpPr/>
+          <p:nvPr>
+            <p:ph idx="105" type="body" hasCustomPrompt="1"/>
+          </p:nvPr>
+        </p:nvSpPr>
+        <p:spPr>
+          <a:xfrm>
+            <a:off x="457200" y="6515100"/>
             <a:ext cx="640080" cy="365760"/>
           </a:xfrm>
           <a:prstGeom prst="rect">
             <a:avLst/>
           </a:prstGeom>
-          <a:extLst>
-            <a:ext uri="{C572A759-6A51-4108-AA02-DFA0A04FC94B}">
-              <ma14:wrappingTextBoxFlag xmlns:ma14="http://schemas.microsoft.com/office/mac/drawingml/2011/main" val="0"/>
-            </a:ext>
-          </a:extLst>
-        </p:spPr>
-        <p:txBody>
-          <a:bodyPr/>
+          <a:noFill/>
+          <a:ln/>
+        </p:spPr>
+        <p:txBody>
+          <a:bodyPr wrap="square" rtlCol="0"/>
           <a:lstStyle>
-            <a:lvl1pPr>
-              <a:defRPr sz="1200">
-                <a:solidFill>
-                  <a:srgbClr val="F41C76"/>
-                </a:solidFill>
-                <a:latin typeface="Calibri"/>
-                <a:ea typeface="Calibri"/>
-                <a:cs typeface="Calibri"/>
+            <a:lvl1pPr algn="ctr" indent="0" marL="0">
+              <a:buNone/>
+              <a:defRPr lang="en-US" sz="1200" dirty="0">
+                <a:latin typeface="Book Antiqua" pitchFamily="34" charset="0"/>
+                <a:ea typeface="Book Antiqua" pitchFamily="34" charset="-122"/>
+                <a:cs typeface="Book Antiqua" pitchFamily="34" charset="-120"/>
               </a:defRPr>
             </a:lvl1pPr>
           </a:lstStyle>
           <a:p>
-            <a:pPr algn="l"/>
-            <a:fld id="{F7021451-1387-4CA6-816F-3879F97B5CBC}" type="slidenum">
-              <a:rPr b="0" lang="en-US"/>
-              <a:t>1012</a:t>
-            </a:fld>
-            <a:endParaRPr lang="en-US"/>
+            <a:pPr algn="ctr" indent="0" marL="0">
+              <a:buNone/>
+            </a:pPr>
+            <a:r>
+              <a:rPr lang="en-US" sz="1200" dirty="0">
+                <a:solidFill>
+                  <a:srgbClr val="000000"/>
+                </a:solidFill>
+                <a:latin typeface="Book Antiqua" pitchFamily="34" charset="0"/>
+                <a:ea typeface="Book Antiqua" pitchFamily="34" charset="-122"/>
+                <a:cs typeface="Book Antiqua" pitchFamily="34" charset="-120"/>
+              </a:rPr>
+              <a:t>SlideNumber Placeholder</a:t>
+            </a:r>
+            <a:endParaRPr lang="en-US" sz="1200" dirty="0"/>
           </a:p>
         </p:txBody>
       </p:sp>
@@ -2605,9 +2584,6 @@
             <a:lvl1pPr algn="l" indent="0" marL="0">
               <a:buNone/>
               <a:defRPr lang="en-US" sz="2800" b="1" dirty="0">
-                <a:solidFill>
-                  <a:srgbClr val="090909"/>
-                </a:solidFill>
                 <a:latin typeface="Book Antiqua" pitchFamily="34" charset="0"/>
                 <a:ea typeface="Book Antiqua" pitchFamily="34" charset="-122"/>
                 <a:cs typeface="Book Antiqua" pitchFamily="34" charset="-120"/>
@@ -2621,7 +2597,7 @@
             <a:r>
               <a:rPr lang="en-US" sz="2800" b="1" dirty="0">
                 <a:solidFill>
-                  <a:srgbClr val="090909"/>
+                  <a:srgbClr val="000000"/>
                 </a:solidFill>
                 <a:latin typeface="Book Antiqua" pitchFamily="34" charset="0"/>
                 <a:ea typeface="Book Antiqua" pitchFamily="34" charset="-122"/>
@@ -2658,9 +2634,6 @@
             <a:lvl1pPr algn="l" indent="0" marL="0">
               <a:buNone/>
               <a:defRPr lang="en-US" sz="1600" dirty="0">
-                <a:solidFill>
-                  <a:srgbClr val="131212"/>
-                </a:solidFill>
                 <a:latin typeface="Book Antiqua" pitchFamily="34" charset="0"/>
                 <a:ea typeface="Book Antiqua" pitchFamily="34" charset="-122"/>
                 <a:cs typeface="Book Antiqua" pitchFamily="34" charset="-120"/>
@@ -2700,9 +2673,6 @@
             <a:lvl1pPr algn="l" indent="0" marL="0">
               <a:buNone/>
               <a:defRPr lang="en-US" sz="1600" dirty="0">
-                <a:solidFill>
-                  <a:srgbClr val="131212"/>
-                </a:solidFill>
                 <a:latin typeface="Book Antiqua" pitchFamily="34" charset="0"/>
                 <a:ea typeface="Book Antiqua" pitchFamily="34" charset="-122"/>
                 <a:cs typeface="Book Antiqua" pitchFamily="34" charset="-120"/>
@@ -2742,9 +2712,6 @@
             <a:lvl1pPr algn="l" indent="0" marL="0">
               <a:buNone/>
               <a:defRPr lang="en-US" sz="1600" dirty="0">
-                <a:solidFill>
-                  <a:srgbClr val="131212"/>
-                </a:solidFill>
                 <a:latin typeface="Book Antiqua" pitchFamily="34" charset="0"/>
                 <a:ea typeface="Book Antiqua" pitchFamily="34" charset="-122"/>
                 <a:cs typeface="Book Antiqua" pitchFamily="34" charset="-120"/>
@@ -2767,8 +2734,8 @@
         </p:nvSpPr>
         <p:spPr>
           <a:xfrm>
-            <a:off x="9144000" y="3657600"/>
-            <a:ext cx="3017520" cy="5943600"/>
+            <a:off x="9144000" y="6515100"/>
+            <a:ext cx="2743200" cy="256032"/>
           </a:xfrm>
           <a:prstGeom prst="rect">
             <a:avLst/>
@@ -2788,6 +2755,9 @@
                 <a:solidFill>
                   <a:srgbClr val="F41C76"/>
                 </a:solidFill>
+                <a:latin typeface="Book Antiqua" pitchFamily="34" charset="0"/>
+                <a:ea typeface="Book Antiqua" pitchFamily="34" charset="-122"/>
+                <a:cs typeface="Book Antiqua" pitchFamily="34" charset="-120"/>
               </a:rPr>
               <a:t>Made with Ai Flavoured</a:t>
             </a:r>
@@ -2797,49 +2767,51 @@
       </p:sp>
       <p:sp>
         <p:nvSpPr>
-          <p:cNvPr id="25" name="Slide Number Placeholder 0"/>
-          <p:cNvSpPr>
-            <a:spLocks noGrp="1"/>
-          </p:cNvSpPr>
-          <p:nvPr>
-            <p:ph type="sldNum" sz="quarter" idx="4294967295"/>
-          </p:nvPr>
-        </p:nvSpPr>
-        <p:spPr>
-          <a:xfrm>
-            <a:off x="457200" y="6446520"/>
+          <p:cNvPr id="8" name="Text 2"/>
+          <p:cNvSpPr/>
+          <p:nvPr>
+            <p:ph idx="106" type="body" hasCustomPrompt="1"/>
+          </p:nvPr>
+        </p:nvSpPr>
+        <p:spPr>
+          <a:xfrm>
+            <a:off x="457200" y="6515100"/>
             <a:ext cx="640080" cy="365760"/>
           </a:xfrm>
           <a:prstGeom prst="rect">
             <a:avLst/>
           </a:prstGeom>
-          <a:extLst>
-            <a:ext uri="{C572A759-6A51-4108-AA02-DFA0A04FC94B}">
-              <ma14:wrappingTextBoxFlag xmlns:ma14="http://schemas.microsoft.com/office/mac/drawingml/2011/main" val="0"/>
-            </a:ext>
-          </a:extLst>
-        </p:spPr>
-        <p:txBody>
-          <a:bodyPr/>
+          <a:noFill/>
+          <a:ln/>
+        </p:spPr>
+        <p:txBody>
+          <a:bodyPr wrap="square" rtlCol="0"/>
           <a:lstStyle>
-            <a:lvl1pPr>
-              <a:defRPr sz="1200">
-                <a:solidFill>
-                  <a:srgbClr val="F41C76"/>
-                </a:solidFill>
-                <a:latin typeface="Calibri"/>
-                <a:ea typeface="Calibri"/>
-                <a:cs typeface="Calibri"/>
+            <a:lvl1pPr algn="ctr" indent="0" marL="0">
+              <a:buNone/>
+              <a:defRPr lang="en-US" sz="1200" dirty="0">
+                <a:latin typeface="Book Antiqua" pitchFamily="34" charset="0"/>
+                <a:ea typeface="Book Antiqua" pitchFamily="34" charset="-122"/>
+                <a:cs typeface="Book Antiqua" pitchFamily="34" charset="-120"/>
               </a:defRPr>
             </a:lvl1pPr>
           </a:lstStyle>
           <a:p>
-            <a:pPr algn="l"/>
-            <a:fld id="{F7021451-1387-4CA6-816F-3879F97B5CBC}" type="slidenum">
-              <a:rPr b="0" lang="en-US"/>
-              <a:t>1013</a:t>
-            </a:fld>
-            <a:endParaRPr lang="en-US"/>
+            <a:pPr algn="ctr" indent="0" marL="0">
+              <a:buNone/>
+            </a:pPr>
+            <a:r>
+              <a:rPr lang="en-US" sz="1200" dirty="0">
+                <a:solidFill>
+                  <a:srgbClr val="000000"/>
+                </a:solidFill>
+                <a:latin typeface="Book Antiqua" pitchFamily="34" charset="0"/>
+                <a:ea typeface="Book Antiqua" pitchFamily="34" charset="-122"/>
+                <a:cs typeface="Book Antiqua" pitchFamily="34" charset="-120"/>
+              </a:rPr>
+              <a:t>SlideNumber Placeholder</a:t>
+            </a:r>
+            <a:endParaRPr lang="en-US" sz="1200" dirty="0"/>
           </a:p>
         </p:txBody>
       </p:sp>
@@ -2920,9 +2892,6 @@
             <a:lvl1pPr algn="l" indent="0" marL="0">
               <a:buNone/>
               <a:defRPr lang="en-US" sz="6000" b="1" dirty="0">
-                <a:solidFill>
-                  <a:srgbClr val="090909"/>
-                </a:solidFill>
                 <a:latin typeface="Book Antiqua" pitchFamily="34" charset="0"/>
                 <a:ea typeface="Book Antiqua" pitchFamily="34" charset="-122"/>
                 <a:cs typeface="Book Antiqua" pitchFamily="34" charset="-120"/>
@@ -2936,7 +2905,7 @@
             <a:r>
               <a:rPr lang="en-US" sz="6000" b="1" dirty="0">
                 <a:solidFill>
-                  <a:srgbClr val="090909"/>
+                  <a:srgbClr val="000000"/>
                 </a:solidFill>
                 <a:latin typeface="Book Antiqua" pitchFamily="34" charset="0"/>
                 <a:ea typeface="Book Antiqua" pitchFamily="34" charset="-122"/>
@@ -2973,9 +2942,6 @@
             <a:lvl1pPr algn="l" indent="0" marL="0">
               <a:buNone/>
               <a:defRPr lang="en-US" sz="2400" dirty="0">
-                <a:solidFill>
-                  <a:srgbClr val="131212"/>
-                </a:solidFill>
                 <a:latin typeface="Book Antiqua" pitchFamily="34" charset="0"/>
                 <a:ea typeface="Book Antiqua" pitchFamily="34" charset="-122"/>
                 <a:cs typeface="Book Antiqua" pitchFamily="34" charset="-120"/>
@@ -2989,7 +2955,7 @@
             <a:r>
               <a:rPr lang="en-US" sz="2400" dirty="0">
                 <a:solidFill>
-                  <a:srgbClr val="131212"/>
+                  <a:srgbClr val="000000"/>
                 </a:solidFill>
                 <a:latin typeface="Book Antiqua" pitchFamily="34" charset="0"/>
                 <a:ea typeface="Book Antiqua" pitchFamily="34" charset="-122"/>
@@ -3009,8 +2975,8 @@
         </p:nvSpPr>
         <p:spPr>
           <a:xfrm>
-            <a:off x="9144000" y="3657600"/>
-            <a:ext cx="3017520" cy="5943600"/>
+            <a:off x="9144000" y="6515100"/>
+            <a:ext cx="2743200" cy="256032"/>
           </a:xfrm>
           <a:prstGeom prst="rect">
             <a:avLst/>
@@ -3042,49 +3008,51 @@
       </p:sp>
       <p:sp>
         <p:nvSpPr>
-          <p:cNvPr id="25" name="Slide Number Placeholder 0"/>
-          <p:cNvSpPr>
-            <a:spLocks noGrp="1"/>
-          </p:cNvSpPr>
-          <p:nvPr>
-            <p:ph type="sldNum" sz="quarter" idx="4294967295"/>
-          </p:nvPr>
-        </p:nvSpPr>
-        <p:spPr>
-          <a:xfrm>
-            <a:off x="457200" y="6446520"/>
+          <p:cNvPr id="6" name="Text 2"/>
+          <p:cNvSpPr/>
+          <p:nvPr>
+            <p:ph idx="104" type="body" hasCustomPrompt="1"/>
+          </p:nvPr>
+        </p:nvSpPr>
+        <p:spPr>
+          <a:xfrm>
+            <a:off x="457200" y="6515100"/>
             <a:ext cx="640080" cy="365760"/>
           </a:xfrm>
           <a:prstGeom prst="rect">
             <a:avLst/>
           </a:prstGeom>
-          <a:extLst>
-            <a:ext uri="{C572A759-6A51-4108-AA02-DFA0A04FC94B}">
-              <ma14:wrappingTextBoxFlag xmlns:ma14="http://schemas.microsoft.com/office/mac/drawingml/2011/main" val="0"/>
-            </a:ext>
-          </a:extLst>
-        </p:spPr>
-        <p:txBody>
-          <a:bodyPr/>
+          <a:noFill/>
+          <a:ln/>
+        </p:spPr>
+        <p:txBody>
+          <a:bodyPr wrap="square" rtlCol="0"/>
           <a:lstStyle>
-            <a:lvl1pPr>
-              <a:defRPr sz="1200">
-                <a:solidFill>
-                  <a:srgbClr val="F41C76"/>
-                </a:solidFill>
-                <a:latin typeface="Calibri"/>
-                <a:ea typeface="Calibri"/>
-                <a:cs typeface="Calibri"/>
+            <a:lvl1pPr algn="ctr" indent="0" marL="0">
+              <a:buNone/>
+              <a:defRPr lang="en-US" sz="1200" dirty="0">
+                <a:latin typeface="Book Antiqua" pitchFamily="34" charset="0"/>
+                <a:ea typeface="Book Antiqua" pitchFamily="34" charset="-122"/>
+                <a:cs typeface="Book Antiqua" pitchFamily="34" charset="-120"/>
               </a:defRPr>
             </a:lvl1pPr>
           </a:lstStyle>
           <a:p>
-            <a:pPr algn="l"/>
-            <a:fld id="{F7021451-1387-4CA6-816F-3879F97B5CBC}" type="slidenum">
-              <a:rPr b="0" lang="en-US"/>
-              <a:t>1014</a:t>
-            </a:fld>
-            <a:endParaRPr lang="en-US"/>
+            <a:pPr algn="ctr" indent="0" marL="0">
+              <a:buNone/>
+            </a:pPr>
+            <a:r>
+              <a:rPr lang="en-US" sz="1200" dirty="0">
+                <a:solidFill>
+                  <a:srgbClr val="000000"/>
+                </a:solidFill>
+                <a:latin typeface="Book Antiqua" pitchFamily="34" charset="0"/>
+                <a:ea typeface="Book Antiqua" pitchFamily="34" charset="-122"/>
+                <a:cs typeface="Book Antiqua" pitchFamily="34" charset="-120"/>
+              </a:rPr>
+              <a:t>SlideNumber Placeholder</a:t>
+            </a:r>
+            <a:endParaRPr lang="en-US" sz="1200" dirty="0"/>
           </a:p>
         </p:txBody>
       </p:sp>
@@ -3165,9 +3133,6 @@
             <a:lvl1pPr algn="l" indent="0" marL="0">
               <a:buNone/>
               <a:defRPr lang="en-US" sz="2800" b="1" dirty="0">
-                <a:solidFill>
-                  <a:srgbClr val="090909"/>
-                </a:solidFill>
                 <a:latin typeface="Book Antiqua" pitchFamily="34" charset="0"/>
                 <a:ea typeface="Book Antiqua" pitchFamily="34" charset="-122"/>
                 <a:cs typeface="Book Antiqua" pitchFamily="34" charset="-120"/>
@@ -3181,7 +3146,7 @@
             <a:r>
               <a:rPr lang="en-US" sz="2800" b="1" dirty="0">
                 <a:solidFill>
-                  <a:srgbClr val="090909"/>
+                  <a:srgbClr val="000000"/>
                 </a:solidFill>
                 <a:latin typeface="Book Antiqua" pitchFamily="34" charset="0"/>
                 <a:ea typeface="Book Antiqua" pitchFamily="34" charset="-122"/>
@@ -3218,9 +3183,6 @@
             <a:lvl1pPr algn="l" indent="0" marL="0">
               <a:buNone/>
               <a:defRPr lang="en-US" sz="1600" dirty="0">
-                <a:solidFill>
-                  <a:srgbClr val="131212"/>
-                </a:solidFill>
                 <a:latin typeface="Book Antiqua" pitchFamily="34" charset="0"/>
                 <a:ea typeface="Book Antiqua" pitchFamily="34" charset="-122"/>
                 <a:cs typeface="Book Antiqua" pitchFamily="34" charset="-120"/>
@@ -3260,9 +3222,6 @@
             <a:lvl1pPr algn="l" indent="0" marL="0">
               <a:buNone/>
               <a:defRPr lang="en-US" sz="1600" dirty="0">
-                <a:solidFill>
-                  <a:srgbClr val="131212"/>
-                </a:solidFill>
                 <a:latin typeface="Book Antiqua" pitchFamily="34" charset="0"/>
                 <a:ea typeface="Book Antiqua" pitchFamily="34" charset="-122"/>
                 <a:cs typeface="Book Antiqua" pitchFamily="34" charset="-120"/>
@@ -3302,9 +3261,6 @@
             <a:lvl1pPr algn="l" indent="0" marL="0">
               <a:buNone/>
               <a:defRPr lang="en-US" sz="1600" dirty="0">
-                <a:solidFill>
-                  <a:srgbClr val="131212"/>
-                </a:solidFill>
                 <a:latin typeface="Book Antiqua" pitchFamily="34" charset="0"/>
                 <a:ea typeface="Book Antiqua" pitchFamily="34" charset="-122"/>
                 <a:cs typeface="Book Antiqua" pitchFamily="34" charset="-120"/>
@@ -3327,8 +3283,8 @@
         </p:nvSpPr>
         <p:spPr>
           <a:xfrm>
-            <a:off x="9144000" y="3657600"/>
-            <a:ext cx="3017520" cy="5943600"/>
+            <a:off x="9144000" y="6515100"/>
+            <a:ext cx="2743200" cy="256032"/>
           </a:xfrm>
           <a:prstGeom prst="rect">
             <a:avLst/>
@@ -3348,6 +3304,9 @@
                 <a:solidFill>
                   <a:srgbClr val="F41C76"/>
                 </a:solidFill>
+                <a:latin typeface="Book Antiqua" pitchFamily="34" charset="0"/>
+                <a:ea typeface="Book Antiqua" pitchFamily="34" charset="-122"/>
+                <a:cs typeface="Book Antiqua" pitchFamily="34" charset="-120"/>
               </a:rPr>
               <a:t>Made with Ai Flavoured</a:t>
             </a:r>
@@ -3357,49 +3316,51 @@
       </p:sp>
       <p:sp>
         <p:nvSpPr>
-          <p:cNvPr id="25" name="Slide Number Placeholder 0"/>
-          <p:cNvSpPr>
-            <a:spLocks noGrp="1"/>
-          </p:cNvSpPr>
-          <p:nvPr>
-            <p:ph type="sldNum" sz="quarter" idx="4294967295"/>
-          </p:nvPr>
-        </p:nvSpPr>
-        <p:spPr>
-          <a:xfrm>
-            <a:off x="457200" y="6446520"/>
+          <p:cNvPr id="8" name="Text 2"/>
+          <p:cNvSpPr/>
+          <p:nvPr>
+            <p:ph idx="106" type="body" hasCustomPrompt="1"/>
+          </p:nvPr>
+        </p:nvSpPr>
+        <p:spPr>
+          <a:xfrm>
+            <a:off x="457200" y="6515100"/>
             <a:ext cx="640080" cy="365760"/>
           </a:xfrm>
           <a:prstGeom prst="rect">
             <a:avLst/>
           </a:prstGeom>
-          <a:extLst>
-            <a:ext uri="{C572A759-6A51-4108-AA02-DFA0A04FC94B}">
-              <ma14:wrappingTextBoxFlag xmlns:ma14="http://schemas.microsoft.com/office/mac/drawingml/2011/main" val="0"/>
-            </a:ext>
-          </a:extLst>
-        </p:spPr>
-        <p:txBody>
-          <a:bodyPr/>
+          <a:noFill/>
+          <a:ln/>
+        </p:spPr>
+        <p:txBody>
+          <a:bodyPr wrap="square" rtlCol="0"/>
           <a:lstStyle>
-            <a:lvl1pPr>
-              <a:defRPr sz="1200">
-                <a:solidFill>
-                  <a:srgbClr val="F41C76"/>
-                </a:solidFill>
-                <a:latin typeface="Calibri"/>
-                <a:ea typeface="Calibri"/>
-                <a:cs typeface="Calibri"/>
+            <a:lvl1pPr algn="ctr" indent="0" marL="0">
+              <a:buNone/>
+              <a:defRPr lang="en-US" sz="1200" dirty="0">
+                <a:latin typeface="Book Antiqua" pitchFamily="34" charset="0"/>
+                <a:ea typeface="Book Antiqua" pitchFamily="34" charset="-122"/>
+                <a:cs typeface="Book Antiqua" pitchFamily="34" charset="-120"/>
               </a:defRPr>
             </a:lvl1pPr>
           </a:lstStyle>
           <a:p>
-            <a:pPr algn="l"/>
-            <a:fld id="{F7021451-1387-4CA6-816F-3879F97B5CBC}" type="slidenum">
-              <a:rPr b="0" lang="en-US"/>
-              <a:t>1002</a:t>
-            </a:fld>
-            <a:endParaRPr lang="en-US"/>
+            <a:pPr algn="ctr" indent="0" marL="0">
+              <a:buNone/>
+            </a:pPr>
+            <a:r>
+              <a:rPr lang="en-US" sz="1200" dirty="0">
+                <a:solidFill>
+                  <a:srgbClr val="000000"/>
+                </a:solidFill>
+                <a:latin typeface="Book Antiqua" pitchFamily="34" charset="0"/>
+                <a:ea typeface="Book Antiqua" pitchFamily="34" charset="-122"/>
+                <a:cs typeface="Book Antiqua" pitchFamily="34" charset="-120"/>
+              </a:rPr>
+              <a:t>SlideNumber Placeholder</a:t>
+            </a:r>
+            <a:endParaRPr lang="en-US" sz="1200" dirty="0"/>
           </a:p>
         </p:txBody>
       </p:sp>
@@ -3480,9 +3441,6 @@
             <a:lvl1pPr algn="l" indent="0" marL="0">
               <a:buNone/>
               <a:defRPr lang="en-US" sz="6000" b="1" dirty="0">
-                <a:solidFill>
-                  <a:srgbClr val="090909"/>
-                </a:solidFill>
                 <a:latin typeface="Book Antiqua" pitchFamily="34" charset="0"/>
                 <a:ea typeface="Book Antiqua" pitchFamily="34" charset="-122"/>
                 <a:cs typeface="Book Antiqua" pitchFamily="34" charset="-120"/>
@@ -3496,7 +3454,7 @@
             <a:r>
               <a:rPr lang="en-US" sz="6000" b="1" dirty="0">
                 <a:solidFill>
-                  <a:srgbClr val="090909"/>
+                  <a:srgbClr val="000000"/>
                 </a:solidFill>
                 <a:latin typeface="Book Antiqua" pitchFamily="34" charset="0"/>
                 <a:ea typeface="Book Antiqua" pitchFamily="34" charset="-122"/>
@@ -3533,9 +3491,6 @@
             <a:lvl1pPr algn="l" indent="0" marL="0">
               <a:buNone/>
               <a:defRPr lang="en-US" sz="2400" dirty="0">
-                <a:solidFill>
-                  <a:srgbClr val="131212"/>
-                </a:solidFill>
                 <a:latin typeface="Book Antiqua" pitchFamily="34" charset="0"/>
                 <a:ea typeface="Book Antiqua" pitchFamily="34" charset="-122"/>
                 <a:cs typeface="Book Antiqua" pitchFamily="34" charset="-120"/>
@@ -3549,7 +3504,7 @@
             <a:r>
               <a:rPr lang="en-US" sz="2400" dirty="0">
                 <a:solidFill>
-                  <a:srgbClr val="131212"/>
+                  <a:srgbClr val="000000"/>
                 </a:solidFill>
                 <a:latin typeface="Book Antiqua" pitchFamily="34" charset="0"/>
                 <a:ea typeface="Book Antiqua" pitchFamily="34" charset="-122"/>
@@ -3569,8 +3524,8 @@
         </p:nvSpPr>
         <p:spPr>
           <a:xfrm>
-            <a:off x="9144000" y="3657600"/>
-            <a:ext cx="3017520" cy="5943600"/>
+            <a:off x="9144000" y="6515100"/>
+            <a:ext cx="2743200" cy="256032"/>
           </a:xfrm>
           <a:prstGeom prst="rect">
             <a:avLst/>
@@ -3602,49 +3557,51 @@
       </p:sp>
       <p:sp>
         <p:nvSpPr>
-          <p:cNvPr id="25" name="Slide Number Placeholder 0"/>
-          <p:cNvSpPr>
-            <a:spLocks noGrp="1"/>
-          </p:cNvSpPr>
-          <p:nvPr>
-            <p:ph type="sldNum" sz="quarter" idx="4294967295"/>
-          </p:nvPr>
-        </p:nvSpPr>
-        <p:spPr>
-          <a:xfrm>
-            <a:off x="457200" y="6446520"/>
+          <p:cNvPr id="6" name="Text 2"/>
+          <p:cNvSpPr/>
+          <p:nvPr>
+            <p:ph idx="104" type="body" hasCustomPrompt="1"/>
+          </p:nvPr>
+        </p:nvSpPr>
+        <p:spPr>
+          <a:xfrm>
+            <a:off x="457200" y="6515100"/>
             <a:ext cx="640080" cy="365760"/>
           </a:xfrm>
           <a:prstGeom prst="rect">
             <a:avLst/>
           </a:prstGeom>
-          <a:extLst>
-            <a:ext uri="{C572A759-6A51-4108-AA02-DFA0A04FC94B}">
-              <ma14:wrappingTextBoxFlag xmlns:ma14="http://schemas.microsoft.com/office/mac/drawingml/2011/main" val="0"/>
-            </a:ext>
-          </a:extLst>
-        </p:spPr>
-        <p:txBody>
-          <a:bodyPr/>
+          <a:noFill/>
+          <a:ln/>
+        </p:spPr>
+        <p:txBody>
+          <a:bodyPr wrap="square" rtlCol="0"/>
           <a:lstStyle>
-            <a:lvl1pPr>
-              <a:defRPr sz="1200">
-                <a:solidFill>
-                  <a:srgbClr val="F41C76"/>
-                </a:solidFill>
-                <a:latin typeface="Calibri"/>
-                <a:ea typeface="Calibri"/>
-                <a:cs typeface="Calibri"/>
+            <a:lvl1pPr algn="ctr" indent="0" marL="0">
+              <a:buNone/>
+              <a:defRPr lang="en-US" sz="1200" dirty="0">
+                <a:latin typeface="Book Antiqua" pitchFamily="34" charset="0"/>
+                <a:ea typeface="Book Antiqua" pitchFamily="34" charset="-122"/>
+                <a:cs typeface="Book Antiqua" pitchFamily="34" charset="-120"/>
               </a:defRPr>
             </a:lvl1pPr>
           </a:lstStyle>
           <a:p>
-            <a:pPr algn="l"/>
-            <a:fld id="{F7021451-1387-4CA6-816F-3879F97B5CBC}" type="slidenum">
-              <a:rPr b="0" lang="en-US"/>
-              <a:t>1003</a:t>
-            </a:fld>
-            <a:endParaRPr lang="en-US"/>
+            <a:pPr algn="ctr" indent="0" marL="0">
+              <a:buNone/>
+            </a:pPr>
+            <a:r>
+              <a:rPr lang="en-US" sz="1200" dirty="0">
+                <a:solidFill>
+                  <a:srgbClr val="000000"/>
+                </a:solidFill>
+                <a:latin typeface="Book Antiqua" pitchFamily="34" charset="0"/>
+                <a:ea typeface="Book Antiqua" pitchFamily="34" charset="-122"/>
+                <a:cs typeface="Book Antiqua" pitchFamily="34" charset="-120"/>
+              </a:rPr>
+              <a:t>SlideNumber Placeholder</a:t>
+            </a:r>
+            <a:endParaRPr lang="en-US" sz="1200" dirty="0"/>
           </a:p>
         </p:txBody>
       </p:sp>
@@ -3725,9 +3682,6 @@
             <a:lvl1pPr algn="l" indent="0" marL="0">
               <a:buNone/>
               <a:defRPr lang="en-US" sz="2800" b="1" dirty="0">
-                <a:solidFill>
-                  <a:srgbClr val="090909"/>
-                </a:solidFill>
                 <a:latin typeface="Book Antiqua" pitchFamily="34" charset="0"/>
                 <a:ea typeface="Book Antiqua" pitchFamily="34" charset="-122"/>
                 <a:cs typeface="Book Antiqua" pitchFamily="34" charset="-120"/>
@@ -3741,7 +3695,7 @@
             <a:r>
               <a:rPr lang="en-US" sz="2800" b="1" dirty="0">
                 <a:solidFill>
-                  <a:srgbClr val="090909"/>
+                  <a:srgbClr val="000000"/>
                 </a:solidFill>
                 <a:latin typeface="Book Antiqua" pitchFamily="34" charset="0"/>
                 <a:ea typeface="Book Antiqua" pitchFamily="34" charset="-122"/>
@@ -3778,9 +3732,6 @@
             <a:lvl1pPr algn="l" indent="0" marL="0">
               <a:buNone/>
               <a:defRPr lang="en-US" sz="1600" dirty="0">
-                <a:solidFill>
-                  <a:srgbClr val="131212"/>
-                </a:solidFill>
                 <a:latin typeface="Book Antiqua" pitchFamily="34" charset="0"/>
                 <a:ea typeface="Book Antiqua" pitchFamily="34" charset="-122"/>
                 <a:cs typeface="Book Antiqua" pitchFamily="34" charset="-120"/>
@@ -3820,9 +3771,6 @@
             <a:lvl1pPr algn="l" indent="0" marL="0">
               <a:buNone/>
               <a:defRPr lang="en-US" sz="1600" dirty="0">
-                <a:solidFill>
-                  <a:srgbClr val="131212"/>
-                </a:solidFill>
                 <a:latin typeface="Book Antiqua" pitchFamily="34" charset="0"/>
                 <a:ea typeface="Book Antiqua" pitchFamily="34" charset="-122"/>
                 <a:cs typeface="Book Antiqua" pitchFamily="34" charset="-120"/>
@@ -3862,9 +3810,6 @@
             <a:lvl1pPr algn="l" indent="0" marL="0">
               <a:buNone/>
               <a:defRPr lang="en-US" sz="1600" dirty="0">
-                <a:solidFill>
-                  <a:srgbClr val="131212"/>
-                </a:solidFill>
                 <a:latin typeface="Book Antiqua" pitchFamily="34" charset="0"/>
                 <a:ea typeface="Book Antiqua" pitchFamily="34" charset="-122"/>
                 <a:cs typeface="Book Antiqua" pitchFamily="34" charset="-120"/>
@@ -3887,8 +3832,8 @@
         </p:nvSpPr>
         <p:spPr>
           <a:xfrm>
-            <a:off x="9144000" y="3657600"/>
-            <a:ext cx="3017520" cy="5943600"/>
+            <a:off x="9144000" y="6515100"/>
+            <a:ext cx="2743200" cy="256032"/>
           </a:xfrm>
           <a:prstGeom prst="rect">
             <a:avLst/>
@@ -3908,6 +3853,9 @@
                 <a:solidFill>
                   <a:srgbClr val="F41C76"/>
                 </a:solidFill>
+                <a:latin typeface="Book Antiqua" pitchFamily="34" charset="0"/>
+                <a:ea typeface="Book Antiqua" pitchFamily="34" charset="-122"/>
+                <a:cs typeface="Book Antiqua" pitchFamily="34" charset="-120"/>
               </a:rPr>
               <a:t>Made with Ai Flavoured</a:t>
             </a:r>
@@ -3917,49 +3865,51 @@
       </p:sp>
       <p:sp>
         <p:nvSpPr>
-          <p:cNvPr id="25" name="Slide Number Placeholder 0"/>
-          <p:cNvSpPr>
-            <a:spLocks noGrp="1"/>
-          </p:cNvSpPr>
-          <p:nvPr>
-            <p:ph type="sldNum" sz="quarter" idx="4294967295"/>
-          </p:nvPr>
-        </p:nvSpPr>
-        <p:spPr>
-          <a:xfrm>
-            <a:off x="457200" y="6446520"/>
+          <p:cNvPr id="8" name="Text 2"/>
+          <p:cNvSpPr/>
+          <p:nvPr>
+            <p:ph idx="106" type="body" hasCustomPrompt="1"/>
+          </p:nvPr>
+        </p:nvSpPr>
+        <p:spPr>
+          <a:xfrm>
+            <a:off x="457200" y="6515100"/>
             <a:ext cx="640080" cy="365760"/>
           </a:xfrm>
           <a:prstGeom prst="rect">
             <a:avLst/>
           </a:prstGeom>
-          <a:extLst>
-            <a:ext uri="{C572A759-6A51-4108-AA02-DFA0A04FC94B}">
-              <ma14:wrappingTextBoxFlag xmlns:ma14="http://schemas.microsoft.com/office/mac/drawingml/2011/main" val="0"/>
-            </a:ext>
-          </a:extLst>
-        </p:spPr>
-        <p:txBody>
-          <a:bodyPr/>
+          <a:noFill/>
+          <a:ln/>
+        </p:spPr>
+        <p:txBody>
+          <a:bodyPr wrap="square" rtlCol="0"/>
           <a:lstStyle>
-            <a:lvl1pPr>
-              <a:defRPr sz="1200">
-                <a:solidFill>
-                  <a:srgbClr val="F41C76"/>
-                </a:solidFill>
-                <a:latin typeface="Calibri"/>
-                <a:ea typeface="Calibri"/>
-                <a:cs typeface="Calibri"/>
+            <a:lvl1pPr algn="ctr" indent="0" marL="0">
+              <a:buNone/>
+              <a:defRPr lang="en-US" sz="1200" dirty="0">
+                <a:latin typeface="Book Antiqua" pitchFamily="34" charset="0"/>
+                <a:ea typeface="Book Antiqua" pitchFamily="34" charset="-122"/>
+                <a:cs typeface="Book Antiqua" pitchFamily="34" charset="-120"/>
               </a:defRPr>
             </a:lvl1pPr>
           </a:lstStyle>
           <a:p>
-            <a:pPr algn="l"/>
-            <a:fld id="{F7021451-1387-4CA6-816F-3879F97B5CBC}" type="slidenum">
-              <a:rPr b="0" lang="en-US"/>
-              <a:t>1004</a:t>
-            </a:fld>
-            <a:endParaRPr lang="en-US"/>
+            <a:pPr algn="ctr" indent="0" marL="0">
+              <a:buNone/>
+            </a:pPr>
+            <a:r>
+              <a:rPr lang="en-US" sz="1200" dirty="0">
+                <a:solidFill>
+                  <a:srgbClr val="000000"/>
+                </a:solidFill>
+                <a:latin typeface="Book Antiqua" pitchFamily="34" charset="0"/>
+                <a:ea typeface="Book Antiqua" pitchFamily="34" charset="-122"/>
+                <a:cs typeface="Book Antiqua" pitchFamily="34" charset="-120"/>
+              </a:rPr>
+              <a:t>SlideNumber Placeholder</a:t>
+            </a:r>
+            <a:endParaRPr lang="en-US" sz="1200" dirty="0"/>
           </a:p>
         </p:txBody>
       </p:sp>
@@ -4026,7 +3976,7 @@
         <p:spPr>
           <a:xfrm>
             <a:off x="758952" y="1828800"/>
-            <a:ext cx="10972800" cy="1828800"/>
+            <a:ext cx="10186416" cy="1828800"/>
           </a:xfrm>
           <a:prstGeom prst="rect">
             <a:avLst/>
@@ -4040,9 +3990,6 @@
             <a:lvl1pPr algn="r" indent="0" marL="0">
               <a:buNone/>
               <a:defRPr lang="en-US" sz="4000" b="1" dirty="0">
-                <a:solidFill>
-                  <a:srgbClr val="090909"/>
-                </a:solidFill>
                 <a:latin typeface="Book Antiqua" pitchFamily="34" charset="0"/>
                 <a:ea typeface="Book Antiqua" pitchFamily="34" charset="-122"/>
                 <a:cs typeface="Book Antiqua" pitchFamily="34" charset="-120"/>
@@ -4056,7 +4003,7 @@
             <a:r>
               <a:rPr lang="en-US" sz="4000" b="1" dirty="0">
                 <a:solidFill>
-                  <a:srgbClr val="090909"/>
+                  <a:srgbClr val="000000"/>
                 </a:solidFill>
                 <a:latin typeface="Book Antiqua" pitchFamily="34" charset="0"/>
                 <a:ea typeface="Book Antiqua" pitchFamily="34" charset="-122"/>
@@ -4093,9 +4040,6 @@
             <a:lvl1pPr algn="ctr" indent="0" marL="0">
               <a:buNone/>
               <a:defRPr lang="en-US" sz="2000" dirty="0">
-                <a:solidFill>
-                  <a:srgbClr val="131212"/>
-                </a:solidFill>
                 <a:latin typeface="Book Antiqua" pitchFamily="34" charset="0"/>
                 <a:ea typeface="Book Antiqua" pitchFamily="34" charset="-122"/>
                 <a:cs typeface="Book Antiqua" pitchFamily="34" charset="-120"/>
@@ -4109,7 +4053,7 @@
             <a:r>
               <a:rPr lang="en-US" sz="2000" dirty="0">
                 <a:solidFill>
-                  <a:srgbClr val="131212"/>
+                  <a:srgbClr val="000000"/>
                 </a:solidFill>
                 <a:latin typeface="Book Antiqua" pitchFamily="34" charset="0"/>
                 <a:ea typeface="Book Antiqua" pitchFamily="34" charset="-122"/>
@@ -4129,8 +4073,8 @@
         </p:nvSpPr>
         <p:spPr>
           <a:xfrm>
-            <a:off x="9144000" y="3657600"/>
-            <a:ext cx="3017520" cy="5943600"/>
+            <a:off x="9144000" y="6515100"/>
+            <a:ext cx="2743200" cy="256032"/>
           </a:xfrm>
           <a:prstGeom prst="rect">
             <a:avLst/>
@@ -4162,49 +4106,51 @@
       </p:sp>
       <p:sp>
         <p:nvSpPr>
-          <p:cNvPr id="25" name="Slide Number Placeholder 0"/>
-          <p:cNvSpPr>
-            <a:spLocks noGrp="1"/>
-          </p:cNvSpPr>
-          <p:nvPr>
-            <p:ph type="sldNum" sz="quarter" idx="4294967295"/>
-          </p:nvPr>
-        </p:nvSpPr>
-        <p:spPr>
-          <a:xfrm>
-            <a:off x="457200" y="6446520"/>
+          <p:cNvPr id="6" name="Text 2"/>
+          <p:cNvSpPr/>
+          <p:nvPr>
+            <p:ph idx="104" type="body" hasCustomPrompt="1"/>
+          </p:nvPr>
+        </p:nvSpPr>
+        <p:spPr>
+          <a:xfrm>
+            <a:off x="457200" y="6515100"/>
             <a:ext cx="640080" cy="365760"/>
           </a:xfrm>
           <a:prstGeom prst="rect">
             <a:avLst/>
           </a:prstGeom>
-          <a:extLst>
-            <a:ext uri="{C572A759-6A51-4108-AA02-DFA0A04FC94B}">
-              <ma14:wrappingTextBoxFlag xmlns:ma14="http://schemas.microsoft.com/office/mac/drawingml/2011/main" val="0"/>
-            </a:ext>
-          </a:extLst>
-        </p:spPr>
-        <p:txBody>
-          <a:bodyPr/>
+          <a:noFill/>
+          <a:ln/>
+        </p:spPr>
+        <p:txBody>
+          <a:bodyPr wrap="square" rtlCol="0"/>
           <a:lstStyle>
-            <a:lvl1pPr>
-              <a:defRPr sz="1200">
-                <a:solidFill>
-                  <a:srgbClr val="F41C76"/>
-                </a:solidFill>
-                <a:latin typeface="Calibri"/>
-                <a:ea typeface="Calibri"/>
-                <a:cs typeface="Calibri"/>
+            <a:lvl1pPr algn="ctr" indent="0" marL="0">
+              <a:buNone/>
+              <a:defRPr lang="en-US" sz="1200" dirty="0">
+                <a:latin typeface="Book Antiqua" pitchFamily="34" charset="0"/>
+                <a:ea typeface="Book Antiqua" pitchFamily="34" charset="-122"/>
+                <a:cs typeface="Book Antiqua" pitchFamily="34" charset="-120"/>
               </a:defRPr>
             </a:lvl1pPr>
           </a:lstStyle>
           <a:p>
-            <a:pPr algn="l"/>
-            <a:fld id="{F7021451-1387-4CA6-816F-3879F97B5CBC}" type="slidenum">
-              <a:rPr b="0" lang="en-US"/>
-              <a:t>1005</a:t>
-            </a:fld>
-            <a:endParaRPr lang="en-US"/>
+            <a:pPr algn="ctr" indent="0" marL="0">
+              <a:buNone/>
+            </a:pPr>
+            <a:r>
+              <a:rPr lang="en-US" sz="1200" dirty="0">
+                <a:solidFill>
+                  <a:srgbClr val="000000"/>
+                </a:solidFill>
+                <a:latin typeface="Book Antiqua" pitchFamily="34" charset="0"/>
+                <a:ea typeface="Book Antiqua" pitchFamily="34" charset="-122"/>
+                <a:cs typeface="Book Antiqua" pitchFamily="34" charset="-120"/>
+              </a:rPr>
+              <a:t>SlideNumber Placeholder</a:t>
+            </a:r>
+            <a:endParaRPr lang="en-US" sz="1200" dirty="0"/>
           </a:p>
         </p:txBody>
       </p:sp>
@@ -4285,9 +4231,6 @@
             <a:lvl1pPr algn="l" indent="0" marL="0">
               <a:buNone/>
               <a:defRPr lang="en-US" sz="2800" b="1" dirty="0">
-                <a:solidFill>
-                  <a:srgbClr val="090909"/>
-                </a:solidFill>
                 <a:latin typeface="Book Antiqua" pitchFamily="34" charset="0"/>
                 <a:ea typeface="Book Antiqua" pitchFamily="34" charset="-122"/>
                 <a:cs typeface="Book Antiqua" pitchFamily="34" charset="-120"/>
@@ -4301,7 +4244,7 @@
             <a:r>
               <a:rPr lang="en-US" sz="2800" b="1" dirty="0">
                 <a:solidFill>
-                  <a:srgbClr val="090909"/>
+                  <a:srgbClr val="000000"/>
                 </a:solidFill>
                 <a:latin typeface="Book Antiqua" pitchFamily="34" charset="0"/>
                 <a:ea typeface="Book Antiqua" pitchFamily="34" charset="-122"/>
@@ -4324,7 +4267,7 @@
         <p:spPr>
           <a:xfrm>
             <a:off x="457200" y="457200"/>
-            <a:ext cx="4572000" cy="5943600"/>
+            <a:ext cx="4398264" cy="5751576"/>
           </a:xfrm>
           <a:prstGeom prst="rect">
             <a:avLst/>
@@ -4338,9 +4281,6 @@
             <a:lvl1pPr algn="l" indent="0" marL="0">
               <a:buNone/>
               <a:defRPr lang="en-US" sz="1600" dirty="0">
-                <a:solidFill>
-                  <a:srgbClr val="131212"/>
-                </a:solidFill>
                 <a:latin typeface="Book Antiqua" pitchFamily="34" charset="0"/>
                 <a:ea typeface="Book Antiqua" pitchFamily="34" charset="-122"/>
                 <a:cs typeface="Book Antiqua" pitchFamily="34" charset="-120"/>
@@ -4380,9 +4320,6 @@
             <a:lvl1pPr algn="l" indent="0" marL="0">
               <a:buNone/>
               <a:defRPr lang="en-US" sz="1600" dirty="0">
-                <a:solidFill>
-                  <a:srgbClr val="131212"/>
-                </a:solidFill>
                 <a:latin typeface="Book Antiqua" pitchFamily="34" charset="0"/>
                 <a:ea typeface="Book Antiqua" pitchFamily="34" charset="-122"/>
                 <a:cs typeface="Book Antiqua" pitchFamily="34" charset="-120"/>
@@ -4405,8 +4342,8 @@
         </p:nvSpPr>
         <p:spPr>
           <a:xfrm>
-            <a:off x="9144000" y="3657600"/>
-            <a:ext cx="3017520" cy="5943600"/>
+            <a:off x="9144000" y="6515100"/>
+            <a:ext cx="2743200" cy="256032"/>
           </a:xfrm>
           <a:prstGeom prst="rect">
             <a:avLst/>
@@ -4438,49 +4375,51 @@
       </p:sp>
       <p:sp>
         <p:nvSpPr>
-          <p:cNvPr id="25" name="Slide Number Placeholder 0"/>
-          <p:cNvSpPr>
-            <a:spLocks noGrp="1"/>
-          </p:cNvSpPr>
-          <p:nvPr>
-            <p:ph type="sldNum" sz="quarter" idx="4294967295"/>
-          </p:nvPr>
-        </p:nvSpPr>
-        <p:spPr>
-          <a:xfrm>
-            <a:off x="457200" y="6446520"/>
+          <p:cNvPr id="7" name="Text 2"/>
+          <p:cNvSpPr/>
+          <p:nvPr>
+            <p:ph idx="105" type="body" hasCustomPrompt="1"/>
+          </p:nvPr>
+        </p:nvSpPr>
+        <p:spPr>
+          <a:xfrm>
+            <a:off x="457200" y="6515100"/>
             <a:ext cx="640080" cy="365760"/>
           </a:xfrm>
           <a:prstGeom prst="rect">
             <a:avLst/>
           </a:prstGeom>
-          <a:extLst>
-            <a:ext uri="{C572A759-6A51-4108-AA02-DFA0A04FC94B}">
-              <ma14:wrappingTextBoxFlag xmlns:ma14="http://schemas.microsoft.com/office/mac/drawingml/2011/main" val="0"/>
-            </a:ext>
-          </a:extLst>
-        </p:spPr>
-        <p:txBody>
-          <a:bodyPr/>
+          <a:noFill/>
+          <a:ln/>
+        </p:spPr>
+        <p:txBody>
+          <a:bodyPr wrap="square" rtlCol="0"/>
           <a:lstStyle>
-            <a:lvl1pPr>
-              <a:defRPr sz="1200">
-                <a:solidFill>
-                  <a:srgbClr val="F41C76"/>
-                </a:solidFill>
-                <a:latin typeface="Calibri"/>
-                <a:ea typeface="Calibri"/>
-                <a:cs typeface="Calibri"/>
+            <a:lvl1pPr algn="ctr" indent="0" marL="0">
+              <a:buNone/>
+              <a:defRPr lang="en-US" sz="1200" dirty="0">
+                <a:latin typeface="Book Antiqua" pitchFamily="34" charset="0"/>
+                <a:ea typeface="Book Antiqua" pitchFamily="34" charset="-122"/>
+                <a:cs typeface="Book Antiqua" pitchFamily="34" charset="-120"/>
               </a:defRPr>
             </a:lvl1pPr>
           </a:lstStyle>
           <a:p>
-            <a:pPr algn="l"/>
-            <a:fld id="{F7021451-1387-4CA6-816F-3879F97B5CBC}" type="slidenum">
-              <a:rPr b="0" lang="en-US"/>
-              <a:t>1006</a:t>
-            </a:fld>
-            <a:endParaRPr lang="en-US"/>
+            <a:pPr algn="ctr" indent="0" marL="0">
+              <a:buNone/>
+            </a:pPr>
+            <a:r>
+              <a:rPr lang="en-US" sz="1200" dirty="0">
+                <a:solidFill>
+                  <a:srgbClr val="000000"/>
+                </a:solidFill>
+                <a:latin typeface="Book Antiqua" pitchFamily="34" charset="0"/>
+                <a:ea typeface="Book Antiqua" pitchFamily="34" charset="-122"/>
+                <a:cs typeface="Book Antiqua" pitchFamily="34" charset="-120"/>
+              </a:rPr>
+              <a:t>SlideNumber Placeholder</a:t>
+            </a:r>
+            <a:endParaRPr lang="en-US" sz="1200" dirty="0"/>
           </a:p>
         </p:txBody>
       </p:sp>
@@ -4561,9 +4500,6 @@
             <a:lvl1pPr algn="ctr" indent="0" marL="0">
               <a:buNone/>
               <a:defRPr lang="en-US" sz="3600" b="1" dirty="0">
-                <a:solidFill>
-                  <a:srgbClr val="090909"/>
-                </a:solidFill>
                 <a:latin typeface="Book Antiqua" pitchFamily="34" charset="0"/>
                 <a:ea typeface="Book Antiqua" pitchFamily="34" charset="-122"/>
                 <a:cs typeface="Book Antiqua" pitchFamily="34" charset="-120"/>
@@ -4577,7 +4513,7 @@
             <a:r>
               <a:rPr lang="en-US" sz="3600" b="1" dirty="0">
                 <a:solidFill>
-                  <a:srgbClr val="090909"/>
+                  <a:srgbClr val="000000"/>
                 </a:solidFill>
                 <a:latin typeface="Book Antiqua" pitchFamily="34" charset="0"/>
                 <a:ea typeface="Book Antiqua" pitchFamily="34" charset="-122"/>
@@ -4614,9 +4550,6 @@
             <a:lvl1pPr algn="ctr" indent="0" marL="0">
               <a:buNone/>
               <a:defRPr lang="en-US" sz="2400" b="1" dirty="0">
-                <a:solidFill>
-                  <a:srgbClr val="090909"/>
-                </a:solidFill>
                 <a:latin typeface="Book Antiqua" pitchFamily="34" charset="0"/>
                 <a:ea typeface="Book Antiqua" pitchFamily="34" charset="-122"/>
                 <a:cs typeface="Book Antiqua" pitchFamily="34" charset="-120"/>
@@ -4630,7 +4563,7 @@
             <a:r>
               <a:rPr lang="en-US" sz="2400" b="1" dirty="0">
                 <a:solidFill>
-                  <a:srgbClr val="090909"/>
+                  <a:srgbClr val="000000"/>
                 </a:solidFill>
                 <a:latin typeface="Book Antiqua" pitchFamily="34" charset="0"/>
                 <a:ea typeface="Book Antiqua" pitchFamily="34" charset="-122"/>
@@ -4667,9 +4600,6 @@
             <a:lvl1pPr algn="ctr" indent="0" marL="0">
               <a:buNone/>
               <a:defRPr lang="en-US" sz="2400" b="1" dirty="0">
-                <a:solidFill>
-                  <a:srgbClr val="090909"/>
-                </a:solidFill>
                 <a:latin typeface="Book Antiqua" pitchFamily="34" charset="0"/>
                 <a:ea typeface="Book Antiqua" pitchFamily="34" charset="-122"/>
                 <a:cs typeface="Book Antiqua" pitchFamily="34" charset="-120"/>
@@ -4683,7 +4613,7 @@
             <a:r>
               <a:rPr lang="en-US" sz="2400" b="1" dirty="0">
                 <a:solidFill>
-                  <a:srgbClr val="090909"/>
+                  <a:srgbClr val="000000"/>
                 </a:solidFill>
                 <a:latin typeface="Book Antiqua" pitchFamily="34" charset="0"/>
                 <a:ea typeface="Book Antiqua" pitchFamily="34" charset="-122"/>
@@ -4720,9 +4650,6 @@
             <a:lvl1pPr algn="l" indent="0" marL="0">
               <a:buNone/>
               <a:defRPr lang="en-US" sz="1800" dirty="0">
-                <a:solidFill>
-                  <a:srgbClr val="131212"/>
-                </a:solidFill>
                 <a:latin typeface="Book Antiqua" pitchFamily="34" charset="0"/>
                 <a:ea typeface="Book Antiqua" pitchFamily="34" charset="-122"/>
                 <a:cs typeface="Book Antiqua" pitchFamily="34" charset="-120"/>
@@ -4736,7 +4663,7 @@
             <a:r>
               <a:rPr lang="en-US" sz="1800" dirty="0">
                 <a:solidFill>
-                  <a:srgbClr val="131212"/>
+                  <a:srgbClr val="000000"/>
                 </a:solidFill>
                 <a:latin typeface="Book Antiqua" pitchFamily="34" charset="0"/>
                 <a:ea typeface="Book Antiqua" pitchFamily="34" charset="-122"/>
@@ -4773,9 +4700,6 @@
             <a:lvl1pPr algn="l" indent="0" marL="0">
               <a:buNone/>
               <a:defRPr lang="en-US" sz="1800" dirty="0">
-                <a:solidFill>
-                  <a:srgbClr val="131212"/>
-                </a:solidFill>
                 <a:latin typeface="Book Antiqua" pitchFamily="34" charset="0"/>
                 <a:ea typeface="Book Antiqua" pitchFamily="34" charset="-122"/>
                 <a:cs typeface="Book Antiqua" pitchFamily="34" charset="-120"/>
@@ -4789,7 +4713,7 @@
             <a:r>
               <a:rPr lang="en-US" sz="1800" dirty="0">
                 <a:solidFill>
-                  <a:srgbClr val="131212"/>
+                  <a:srgbClr val="000000"/>
                 </a:solidFill>
                 <a:latin typeface="Book Antiqua" pitchFamily="34" charset="0"/>
                 <a:ea typeface="Book Antiqua" pitchFamily="34" charset="-122"/>
@@ -4809,8 +4733,8 @@
         </p:nvSpPr>
         <p:spPr>
           <a:xfrm>
-            <a:off x="9144000" y="3657600"/>
-            <a:ext cx="3017520" cy="5943600"/>
+            <a:off x="9144000" y="6515100"/>
+            <a:ext cx="2743200" cy="256032"/>
           </a:xfrm>
           <a:prstGeom prst="rect">
             <a:avLst/>
@@ -4842,49 +4766,51 @@
       </p:sp>
       <p:sp>
         <p:nvSpPr>
-          <p:cNvPr id="25" name="Slide Number Placeholder 0"/>
-          <p:cNvSpPr>
-            <a:spLocks noGrp="1"/>
-          </p:cNvSpPr>
-          <p:nvPr>
-            <p:ph type="sldNum" sz="quarter" idx="4294967295"/>
-          </p:nvPr>
-        </p:nvSpPr>
-        <p:spPr>
-          <a:xfrm>
-            <a:off x="457200" y="6446520"/>
+          <p:cNvPr id="9" name="Text 2"/>
+          <p:cNvSpPr/>
+          <p:nvPr>
+            <p:ph idx="107" type="body" hasCustomPrompt="1"/>
+          </p:nvPr>
+        </p:nvSpPr>
+        <p:spPr>
+          <a:xfrm>
+            <a:off x="457200" y="6515100"/>
             <a:ext cx="640080" cy="365760"/>
           </a:xfrm>
           <a:prstGeom prst="rect">
             <a:avLst/>
           </a:prstGeom>
-          <a:extLst>
-            <a:ext uri="{C572A759-6A51-4108-AA02-DFA0A04FC94B}">
-              <ma14:wrappingTextBoxFlag xmlns:ma14="http://schemas.microsoft.com/office/mac/drawingml/2011/main" val="0"/>
-            </a:ext>
-          </a:extLst>
-        </p:spPr>
-        <p:txBody>
-          <a:bodyPr/>
+          <a:noFill/>
+          <a:ln/>
+        </p:spPr>
+        <p:txBody>
+          <a:bodyPr wrap="square" rtlCol="0"/>
           <a:lstStyle>
-            <a:lvl1pPr>
-              <a:defRPr sz="1200">
-                <a:solidFill>
-                  <a:srgbClr val="F41C76"/>
-                </a:solidFill>
-                <a:latin typeface="Calibri"/>
-                <a:ea typeface="Calibri"/>
-                <a:cs typeface="Calibri"/>
+            <a:lvl1pPr algn="ctr" indent="0" marL="0">
+              <a:buNone/>
+              <a:defRPr lang="en-US" sz="1200" dirty="0">
+                <a:latin typeface="Book Antiqua" pitchFamily="34" charset="0"/>
+                <a:ea typeface="Book Antiqua" pitchFamily="34" charset="-122"/>
+                <a:cs typeface="Book Antiqua" pitchFamily="34" charset="-120"/>
               </a:defRPr>
             </a:lvl1pPr>
           </a:lstStyle>
           <a:p>
-            <a:pPr algn="l"/>
-            <a:fld id="{F7021451-1387-4CA6-816F-3879F97B5CBC}" type="slidenum">
-              <a:rPr b="0" lang="en-US"/>
-              <a:t>1007</a:t>
-            </a:fld>
-            <a:endParaRPr lang="en-US"/>
+            <a:pPr algn="ctr" indent="0" marL="0">
+              <a:buNone/>
+            </a:pPr>
+            <a:r>
+              <a:rPr lang="en-US" sz="1200" dirty="0">
+                <a:solidFill>
+                  <a:srgbClr val="000000"/>
+                </a:solidFill>
+                <a:latin typeface="Book Antiqua" pitchFamily="34" charset="0"/>
+                <a:ea typeface="Book Antiqua" pitchFamily="34" charset="-122"/>
+                <a:cs typeface="Book Antiqua" pitchFamily="34" charset="-120"/>
+              </a:rPr>
+              <a:t>SlideNumber Placeholder</a:t>
+            </a:r>
+            <a:endParaRPr lang="en-US" sz="1200" dirty="0"/>
           </a:p>
         </p:txBody>
       </p:sp>
@@ -4965,9 +4891,6 @@
             <a:lvl1pPr algn="ctr" indent="0" marL="0">
               <a:buNone/>
               <a:defRPr lang="en-US" sz="3600" b="1" dirty="0">
-                <a:solidFill>
-                  <a:srgbClr val="090909"/>
-                </a:solidFill>
                 <a:latin typeface="Book Antiqua" pitchFamily="34" charset="0"/>
                 <a:ea typeface="Book Antiqua" pitchFamily="34" charset="-122"/>
                 <a:cs typeface="Book Antiqua" pitchFamily="34" charset="-120"/>
@@ -4981,7 +4904,7 @@
             <a:r>
               <a:rPr lang="en-US" sz="3600" b="1" dirty="0">
                 <a:solidFill>
-                  <a:srgbClr val="090909"/>
+                  <a:srgbClr val="000000"/>
                 </a:solidFill>
                 <a:latin typeface="Book Antiqua" pitchFamily="34" charset="0"/>
                 <a:ea typeface="Book Antiqua" pitchFamily="34" charset="-122"/>
@@ -5018,9 +4941,6 @@
             <a:lvl1pPr algn="ctr" indent="0" marL="0">
               <a:buNone/>
               <a:defRPr lang="en-US" sz="2000" dirty="0">
-                <a:solidFill>
-                  <a:srgbClr val="090909"/>
-                </a:solidFill>
                 <a:latin typeface="Book Antiqua" pitchFamily="34" charset="0"/>
                 <a:ea typeface="Book Antiqua" pitchFamily="34" charset="-122"/>
                 <a:cs typeface="Book Antiqua" pitchFamily="34" charset="-120"/>
@@ -5103,9 +5023,6 @@
             <a:lvl1pPr algn="ctr" indent="0" marL="0">
               <a:buNone/>
               <a:defRPr lang="en-US" sz="2000" dirty="0">
-                <a:solidFill>
-                  <a:srgbClr val="090909"/>
-                </a:solidFill>
                 <a:latin typeface="Book Antiqua" pitchFamily="34" charset="0"/>
                 <a:ea typeface="Book Antiqua" pitchFamily="34" charset="-122"/>
                 <a:cs typeface="Book Antiqua" pitchFamily="34" charset="-120"/>
@@ -5188,9 +5105,6 @@
             <a:lvl1pPr algn="ctr" indent="0" marL="0">
               <a:buNone/>
               <a:defRPr lang="en-US" sz="2000" dirty="0">
-                <a:solidFill>
-                  <a:srgbClr val="090909"/>
-                </a:solidFill>
                 <a:latin typeface="Book Antiqua" pitchFamily="34" charset="0"/>
                 <a:ea typeface="Book Antiqua" pitchFamily="34" charset="-122"/>
                 <a:cs typeface="Book Antiqua" pitchFamily="34" charset="-120"/>
@@ -5256,8 +5170,8 @@
         </p:nvSpPr>
         <p:spPr>
           <a:xfrm>
-            <a:off x="9144000" y="3657600"/>
-            <a:ext cx="3017520" cy="5943600"/>
+            <a:off x="9144000" y="6515100"/>
+            <a:ext cx="2743200" cy="256032"/>
           </a:xfrm>
           <a:prstGeom prst="rect">
             <a:avLst/>
@@ -5289,49 +5203,51 @@
       </p:sp>
       <p:sp>
         <p:nvSpPr>
-          <p:cNvPr id="25" name="Slide Number Placeholder 0"/>
-          <p:cNvSpPr>
-            <a:spLocks noGrp="1"/>
-          </p:cNvSpPr>
-          <p:nvPr>
-            <p:ph type="sldNum" sz="quarter" idx="4294967295"/>
-          </p:nvPr>
-        </p:nvSpPr>
-        <p:spPr>
-          <a:xfrm>
-            <a:off x="457200" y="6446520"/>
+          <p:cNvPr id="11" name="Text 2"/>
+          <p:cNvSpPr/>
+          <p:nvPr>
+            <p:ph idx="109" type="body" hasCustomPrompt="1"/>
+          </p:nvPr>
+        </p:nvSpPr>
+        <p:spPr>
+          <a:xfrm>
+            <a:off x="457200" y="6515100"/>
             <a:ext cx="640080" cy="365760"/>
           </a:xfrm>
           <a:prstGeom prst="rect">
             <a:avLst/>
           </a:prstGeom>
-          <a:extLst>
-            <a:ext uri="{C572A759-6A51-4108-AA02-DFA0A04FC94B}">
-              <ma14:wrappingTextBoxFlag xmlns:ma14="http://schemas.microsoft.com/office/mac/drawingml/2011/main" val="0"/>
-            </a:ext>
-          </a:extLst>
-        </p:spPr>
-        <p:txBody>
-          <a:bodyPr/>
+          <a:noFill/>
+          <a:ln/>
+        </p:spPr>
+        <p:txBody>
+          <a:bodyPr wrap="square" rtlCol="0"/>
           <a:lstStyle>
-            <a:lvl1pPr>
-              <a:defRPr sz="1200">
-                <a:solidFill>
-                  <a:srgbClr val="F41C76"/>
-                </a:solidFill>
-                <a:latin typeface="Calibri"/>
-                <a:ea typeface="Calibri"/>
-                <a:cs typeface="Calibri"/>
+            <a:lvl1pPr algn="ctr" indent="0" marL="0">
+              <a:buNone/>
+              <a:defRPr lang="en-US" sz="1200" dirty="0">
+                <a:latin typeface="Book Antiqua" pitchFamily="34" charset="0"/>
+                <a:ea typeface="Book Antiqua" pitchFamily="34" charset="-122"/>
+                <a:cs typeface="Book Antiqua" pitchFamily="34" charset="-120"/>
               </a:defRPr>
             </a:lvl1pPr>
           </a:lstStyle>
           <a:p>
-            <a:pPr algn="l"/>
-            <a:fld id="{F7021451-1387-4CA6-816F-3879F97B5CBC}" type="slidenum">
-              <a:rPr b="0" lang="en-US"/>
-              <a:t>1008</a:t>
-            </a:fld>
-            <a:endParaRPr lang="en-US"/>
+            <a:pPr algn="ctr" indent="0" marL="0">
+              <a:buNone/>
+            </a:pPr>
+            <a:r>
+              <a:rPr lang="en-US" sz="1200" dirty="0">
+                <a:solidFill>
+                  <a:srgbClr val="000000"/>
+                </a:solidFill>
+                <a:latin typeface="Book Antiqua" pitchFamily="34" charset="0"/>
+                <a:ea typeface="Book Antiqua" pitchFamily="34" charset="-122"/>
+                <a:cs typeface="Book Antiqua" pitchFamily="34" charset="-120"/>
+              </a:rPr>
+              <a:t>SlideNumber Placeholder</a:t>
+            </a:r>
+            <a:endParaRPr lang="en-US" sz="1200" dirty="0"/>
           </a:p>
         </p:txBody>
       </p:sp>
@@ -5411,10 +5327,7 @@
           <a:lstStyle>
             <a:lvl1pPr algn="l" indent="0" marL="0">
               <a:buNone/>
-              <a:defRPr lang="en-US" sz="2800" b="1" dirty="0">
-                <a:solidFill>
-                  <a:srgbClr val="090909"/>
-                </a:solidFill>
+              <a:defRPr lang="en-US" sz="2800" dirty="0">
                 <a:latin typeface="Book Antiqua" pitchFamily="34" charset="0"/>
                 <a:ea typeface="Book Antiqua" pitchFamily="34" charset="-122"/>
                 <a:cs typeface="Book Antiqua" pitchFamily="34" charset="-120"/>
@@ -5426,9 +5339,9 @@
               <a:buNone/>
             </a:pPr>
             <a:r>
-              <a:rPr lang="en-US" sz="2800" b="1" dirty="0">
-                <a:solidFill>
-                  <a:srgbClr val="090909"/>
+              <a:rPr lang="en-US" sz="2800" dirty="0">
+                <a:solidFill>
+                  <a:srgbClr val="000000"/>
                 </a:solidFill>
                 <a:latin typeface="Book Antiqua" pitchFamily="34" charset="0"/>
                 <a:ea typeface="Book Antiqua" pitchFamily="34" charset="-122"/>
@@ -5465,9 +5378,6 @@
             <a:lvl1pPr algn="l" indent="0" marL="0">
               <a:buNone/>
               <a:defRPr lang="en-US" sz="1800" dirty="0">
-                <a:solidFill>
-                  <a:srgbClr val="131212"/>
-                </a:solidFill>
                 <a:latin typeface="Book Antiqua" pitchFamily="34" charset="0"/>
                 <a:ea typeface="Book Antiqua" pitchFamily="34" charset="-122"/>
                 <a:cs typeface="Book Antiqua" pitchFamily="34" charset="-120"/>
@@ -5481,7 +5391,7 @@
             <a:r>
               <a:rPr lang="en-US" sz="1800" dirty="0">
                 <a:solidFill>
-                  <a:srgbClr val="131212"/>
+                  <a:srgbClr val="000000"/>
                 </a:solidFill>
                 <a:latin typeface="Book Antiqua" pitchFamily="34" charset="0"/>
                 <a:ea typeface="Book Antiqua" pitchFamily="34" charset="-122"/>
@@ -5518,9 +5428,6 @@
             <a:lvl1pPr algn="l" indent="0" marL="0">
               <a:buNone/>
               <a:defRPr lang="en-US" sz="1600" dirty="0">
-                <a:solidFill>
-                  <a:srgbClr val="131212"/>
-                </a:solidFill>
                 <a:latin typeface="Book Antiqua" pitchFamily="34" charset="0"/>
                 <a:ea typeface="Book Antiqua" pitchFamily="34" charset="-122"/>
                 <a:cs typeface="Book Antiqua" pitchFamily="34" charset="-120"/>
@@ -5534,7 +5441,7 @@
             <a:r>
               <a:rPr lang="en-US" sz="1600" dirty="0">
                 <a:solidFill>
-                  <a:srgbClr val="131212"/>
+                  <a:srgbClr val="000000"/>
                 </a:solidFill>
                 <a:latin typeface="Book Antiqua" pitchFamily="34" charset="0"/>
                 <a:ea typeface="Book Antiqua" pitchFamily="34" charset="-122"/>
@@ -5554,8 +5461,8 @@
         </p:nvSpPr>
         <p:spPr>
           <a:xfrm>
-            <a:off x="9144000" y="3657600"/>
-            <a:ext cx="3017520" cy="5943600"/>
+            <a:off x="9144000" y="6515100"/>
+            <a:ext cx="2743200" cy="256032"/>
           </a:xfrm>
           <a:prstGeom prst="rect">
             <a:avLst/>
@@ -5587,49 +5494,51 @@
       </p:sp>
       <p:sp>
         <p:nvSpPr>
-          <p:cNvPr id="25" name="Slide Number Placeholder 0"/>
-          <p:cNvSpPr>
-            <a:spLocks noGrp="1"/>
-          </p:cNvSpPr>
-          <p:nvPr>
-            <p:ph type="sldNum" sz="quarter" idx="4294967295"/>
-          </p:nvPr>
-        </p:nvSpPr>
-        <p:spPr>
-          <a:xfrm>
-            <a:off x="457200" y="6446520"/>
+          <p:cNvPr id="7" name="Text 2"/>
+          <p:cNvSpPr/>
+          <p:nvPr>
+            <p:ph idx="105" type="body" hasCustomPrompt="1"/>
+          </p:nvPr>
+        </p:nvSpPr>
+        <p:spPr>
+          <a:xfrm>
+            <a:off x="457200" y="6515100"/>
             <a:ext cx="640080" cy="365760"/>
           </a:xfrm>
           <a:prstGeom prst="rect">
             <a:avLst/>
           </a:prstGeom>
-          <a:extLst>
-            <a:ext uri="{C572A759-6A51-4108-AA02-DFA0A04FC94B}">
-              <ma14:wrappingTextBoxFlag xmlns:ma14="http://schemas.microsoft.com/office/mac/drawingml/2011/main" val="0"/>
-            </a:ext>
-          </a:extLst>
-        </p:spPr>
-        <p:txBody>
-          <a:bodyPr/>
+          <a:noFill/>
+          <a:ln/>
+        </p:spPr>
+        <p:txBody>
+          <a:bodyPr wrap="square" rtlCol="0"/>
           <a:lstStyle>
-            <a:lvl1pPr>
-              <a:defRPr sz="1200">
-                <a:solidFill>
-                  <a:srgbClr val="F41C76"/>
-                </a:solidFill>
-                <a:latin typeface="Calibri"/>
-                <a:ea typeface="Calibri"/>
-                <a:cs typeface="Calibri"/>
+            <a:lvl1pPr algn="ctr" indent="0" marL="0">
+              <a:buNone/>
+              <a:defRPr lang="en-US" sz="1200" dirty="0">
+                <a:latin typeface="Book Antiqua" pitchFamily="34" charset="0"/>
+                <a:ea typeface="Book Antiqua" pitchFamily="34" charset="-122"/>
+                <a:cs typeface="Book Antiqua" pitchFamily="34" charset="-120"/>
               </a:defRPr>
             </a:lvl1pPr>
           </a:lstStyle>
           <a:p>
-            <a:pPr algn="l"/>
-            <a:fld id="{F7021451-1387-4CA6-816F-3879F97B5CBC}" type="slidenum">
-              <a:rPr b="0" lang="en-US"/>
-              <a:t>1009</a:t>
-            </a:fld>
-            <a:endParaRPr lang="en-US"/>
+            <a:pPr algn="ctr" indent="0" marL="0">
+              <a:buNone/>
+            </a:pPr>
+            <a:r>
+              <a:rPr lang="en-US" sz="1200" dirty="0">
+                <a:solidFill>
+                  <a:srgbClr val="000000"/>
+                </a:solidFill>
+                <a:latin typeface="Book Antiqua" pitchFamily="34" charset="0"/>
+                <a:ea typeface="Book Antiqua" pitchFamily="34" charset="-122"/>
+                <a:cs typeface="Book Antiqua" pitchFamily="34" charset="-120"/>
+              </a:rPr>
+              <a:t>SlideNumber Placeholder</a:t>
+            </a:r>
+            <a:endParaRPr lang="en-US" sz="1200" dirty="0"/>
           </a:p>
         </p:txBody>
       </p:sp>
@@ -5658,54 +5567,6 @@
           <a:chExt cx="0" cy="0"/>
         </a:xfrm>
       </p:grpSpPr>
-      <p:sp>
-        <p:nvSpPr>
-          <p:cNvPr id="25" name="Slide Number Placeholder 0"/>
-          <p:cNvSpPr>
-            <a:spLocks noGrp="1"/>
-          </p:cNvSpPr>
-          <p:nvPr>
-            <p:ph type="sldNum" sz="quarter" idx="4294967295"/>
-          </p:nvPr>
-        </p:nvSpPr>
-        <p:spPr>
-          <a:xfrm>
-            <a:off x="457200" y="4834890"/>
-            <a:ext cx="640080" cy="365760"/>
-          </a:xfrm>
-          <a:prstGeom prst="rect">
-            <a:avLst/>
-          </a:prstGeom>
-          <a:extLst>
-            <a:ext uri="{C572A759-6A51-4108-AA02-DFA0A04FC94B}">
-              <ma14:wrappingTextBoxFlag xmlns:ma14="http://schemas.microsoft.com/office/mac/drawingml/2011/main" val="0"/>
-            </a:ext>
-          </a:extLst>
-        </p:spPr>
-        <p:txBody>
-          <a:bodyPr/>
-          <a:lstStyle>
-            <a:lvl1pPr>
-              <a:defRPr sz="1200">
-                <a:solidFill>
-                  <a:srgbClr val="F41C76"/>
-                </a:solidFill>
-                <a:latin typeface="Calibri"/>
-                <a:ea typeface="Calibri"/>
-                <a:cs typeface="Calibri"/>
-              </a:defRPr>
-            </a:lvl1pPr>
-          </a:lstStyle>
-          <a:p>
-            <a:pPr algn="l"/>
-            <a:fld id="{F7021451-1387-4CA6-816F-3879F97B5CBC}" type="slidenum">
-              <a:rPr b="0" lang="en-US"/>
-              <a:t>null</a:t>
-            </a:fld>
-            <a:endParaRPr lang="en-US"/>
-          </a:p>
-        </p:txBody>
-      </p:sp>
     </p:spTree>
   </p:cSld>
   <p:clrMap bg1="lt1" tx1="dk1" bg2="lt2" tx2="dk2" accent1="accent1" accent2="accent2" accent3="accent3" accent4="accent4" accent5="accent5" accent6="accent6" hlink="hlink" folHlink="folHlink"/>
@@ -6247,7 +6108,48 @@
       </p:sp>
       <p:sp>
         <p:nvSpPr>
-          <p:cNvPr id="4" name="Text 1"/>
+          <p:cNvPr id="4" name="Text 2"/>
+          <p:cNvSpPr/>
+          <p:nvPr>
+            <p:ph idx="106" type="body" hasCustomPrompt="1"/>
+          </p:nvPr>
+        </p:nvSpPr>
+        <p:spPr>
+          <a:xfrm>
+            <a:off x="457200" y="6515100"/>
+            <a:ext cx="640080" cy="365760"/>
+          </a:xfrm>
+          <a:prstGeom prst="rect">
+            <a:avLst/>
+          </a:prstGeom>
+          <a:noFill/>
+          <a:ln/>
+        </p:spPr>
+        <p:txBody>
+          <a:bodyPr wrap="square" rtlCol="0" anchor="ctr"/>
+          <a:lstStyle/>
+          <a:p>
+            <a:pPr algn="ctr" indent="0" marL="0">
+              <a:buNone/>
+            </a:pPr>
+            <a:r>
+              <a:rPr lang="en-US" sz="1200" dirty="0">
+                <a:solidFill>
+                  <a:srgbClr val="131212"/>
+                </a:solidFill>
+                <a:latin typeface="Book Antiqua" pitchFamily="34" charset="0"/>
+                <a:ea typeface="Book Antiqua" pitchFamily="34" charset="-122"/>
+                <a:cs typeface="Book Antiqua" pitchFamily="34" charset="-120"/>
+              </a:rPr>
+              <a:t>1</a:t>
+            </a:r>
+            <a:endParaRPr lang="en-US" sz="1200" dirty="0"/>
+          </a:p>
+        </p:txBody>
+      </p:sp>
+      <p:sp>
+        <p:nvSpPr>
+          <p:cNvPr id="5" name="Text 1"/>
           <p:cNvSpPr/>
           <p:nvPr>
             <p:ph idx="103" type="body" hasCustomPrompt="1"/>
@@ -6277,7 +6179,7 @@
       </p:sp>
       <p:sp>
         <p:nvSpPr>
-          <p:cNvPr id="5" name="Text 1"/>
+          <p:cNvPr id="6" name="Text 1"/>
           <p:cNvSpPr/>
           <p:nvPr>
             <p:ph idx="104" type="body" hasCustomPrompt="1"/>
@@ -6302,54 +6204,6 @@
               <a:buNone/>
             </a:pPr>
             <a:endParaRPr lang="en-US" sz="1600" dirty="0"/>
-          </a:p>
-        </p:txBody>
-      </p:sp>
-      <p:sp>
-        <p:nvSpPr>
-          <p:cNvPr id="25" name="Slide Number Placeholder 0"/>
-          <p:cNvSpPr>
-            <a:spLocks noGrp="1"/>
-          </p:cNvSpPr>
-          <p:nvPr>
-            <p:ph type="sldNum" sz="quarter" idx="4294967295"/>
-          </p:nvPr>
-        </p:nvSpPr>
-        <p:spPr>
-          <a:xfrm>
-            <a:off x="457200" y="6446520"/>
-            <a:ext cx="640080" cy="365760"/>
-          </a:xfrm>
-          <a:prstGeom prst="rect">
-            <a:avLst/>
-          </a:prstGeom>
-          <a:extLst>
-            <a:ext uri="{C572A759-6A51-4108-AA02-DFA0A04FC94B}">
-              <ma14:wrappingTextBoxFlag xmlns:ma14="http://schemas.microsoft.com/office/mac/drawingml/2011/main" val="0"/>
-            </a:ext>
-          </a:extLst>
-        </p:spPr>
-        <p:txBody>
-          <a:bodyPr/>
-          <a:lstStyle>
-            <a:lvl1pPr>
-              <a:defRPr sz="1200">
-                <a:solidFill>
-                  <a:srgbClr val="F41C76"/>
-                </a:solidFill>
-                <a:latin typeface="Calibri"/>
-                <a:ea typeface="Calibri"/>
-                <a:cs typeface="Calibri"/>
-              </a:defRPr>
-            </a:lvl1pPr>
-          </a:lstStyle>
-          <a:p>
-            <a:pPr algn="l"/>
-            <a:fld id="{F7021451-1387-4CA6-816F-3879F97B5CBC}" type="slidenum">
-              <a:rPr b="0" lang="en-US"/>
-              <a:t>1</a:t>
-            </a:fld>
-            <a:endParaRPr lang="en-US"/>
           </a:p>
         </p:txBody>
       </p:sp>
@@ -6419,7 +6273,7 @@
               <a:buNone/>
             </a:pPr>
             <a:r>
-              <a:rPr lang="en-US" sz="2800" b="1" dirty="0">
+              <a:rPr lang="en-US" sz="2800" dirty="0">
                 <a:solidFill>
                   <a:srgbClr val="090909"/>
                 </a:solidFill>
@@ -6519,49 +6373,42 @@
       </p:sp>
       <p:sp>
         <p:nvSpPr>
-          <p:cNvPr id="25" name="Slide Number Placeholder 0"/>
-          <p:cNvSpPr>
-            <a:spLocks noGrp="1"/>
-          </p:cNvSpPr>
-          <p:nvPr>
-            <p:ph type="sldNum" sz="quarter" idx="4294967295"/>
-          </p:nvPr>
-        </p:nvSpPr>
-        <p:spPr>
-          <a:xfrm>
-            <a:off x="457200" y="6446520"/>
+          <p:cNvPr id="5" name="Text 2"/>
+          <p:cNvSpPr/>
+          <p:nvPr>
+            <p:ph idx="105" type="body" hasCustomPrompt="1"/>
+          </p:nvPr>
+        </p:nvSpPr>
+        <p:spPr>
+          <a:xfrm>
+            <a:off x="457200" y="6515100"/>
             <a:ext cx="640080" cy="365760"/>
           </a:xfrm>
           <a:prstGeom prst="rect">
             <a:avLst/>
           </a:prstGeom>
-          <a:extLst>
-            <a:ext uri="{C572A759-6A51-4108-AA02-DFA0A04FC94B}">
-              <ma14:wrappingTextBoxFlag xmlns:ma14="http://schemas.microsoft.com/office/mac/drawingml/2011/main" val="0"/>
-            </a:ext>
-          </a:extLst>
-        </p:spPr>
-        <p:txBody>
-          <a:bodyPr/>
-          <a:lstStyle>
-            <a:lvl1pPr>
-              <a:defRPr sz="1200">
-                <a:solidFill>
-                  <a:srgbClr val="F41C76"/>
-                </a:solidFill>
-                <a:latin typeface="Calibri"/>
-                <a:ea typeface="Calibri"/>
-                <a:cs typeface="Calibri"/>
-              </a:defRPr>
-            </a:lvl1pPr>
-          </a:lstStyle>
-          <a:p>
-            <a:pPr algn="l"/>
-            <a:fld id="{F7021451-1387-4CA6-816F-3879F97B5CBC}" type="slidenum">
-              <a:rPr b="0" lang="en-US"/>
+          <a:noFill/>
+          <a:ln/>
+        </p:spPr>
+        <p:txBody>
+          <a:bodyPr wrap="square" rtlCol="0" anchor="ctr"/>
+          <a:lstStyle/>
+          <a:p>
+            <a:pPr algn="ctr" indent="0" marL="0">
+              <a:buNone/>
+            </a:pPr>
+            <a:r>
+              <a:rPr lang="en-US" sz="1200" dirty="0">
+                <a:solidFill>
+                  <a:srgbClr val="131212"/>
+                </a:solidFill>
+                <a:latin typeface="Book Antiqua" pitchFamily="34" charset="0"/>
+                <a:ea typeface="Book Antiqua" pitchFamily="34" charset="-122"/>
+                <a:cs typeface="Book Antiqua" pitchFamily="34" charset="-120"/>
+              </a:rPr>
               <a:t>10</a:t>
-            </a:fld>
-            <a:endParaRPr lang="en-US"/>
+            </a:r>
+            <a:endParaRPr lang="en-US" sz="1200" dirty="0"/>
           </a:p>
         </p:txBody>
       </p:sp>
@@ -6631,7 +6478,7 @@
               <a:buNone/>
             </a:pPr>
             <a:r>
-              <a:rPr lang="en-US" sz="2800" b="1" dirty="0">
+              <a:rPr lang="en-US" sz="2800" dirty="0">
                 <a:solidFill>
                   <a:srgbClr val="090909"/>
                 </a:solidFill>
@@ -6731,49 +6578,42 @@
       </p:sp>
       <p:sp>
         <p:nvSpPr>
-          <p:cNvPr id="25" name="Slide Number Placeholder 0"/>
-          <p:cNvSpPr>
-            <a:spLocks noGrp="1"/>
-          </p:cNvSpPr>
-          <p:nvPr>
-            <p:ph type="sldNum" sz="quarter" idx="4294967295"/>
-          </p:nvPr>
-        </p:nvSpPr>
-        <p:spPr>
-          <a:xfrm>
-            <a:off x="457200" y="6446520"/>
+          <p:cNvPr id="5" name="Text 2"/>
+          <p:cNvSpPr/>
+          <p:nvPr>
+            <p:ph idx="105" type="body" hasCustomPrompt="1"/>
+          </p:nvPr>
+        </p:nvSpPr>
+        <p:spPr>
+          <a:xfrm>
+            <a:off x="457200" y="6515100"/>
             <a:ext cx="640080" cy="365760"/>
           </a:xfrm>
           <a:prstGeom prst="rect">
             <a:avLst/>
           </a:prstGeom>
-          <a:extLst>
-            <a:ext uri="{C572A759-6A51-4108-AA02-DFA0A04FC94B}">
-              <ma14:wrappingTextBoxFlag xmlns:ma14="http://schemas.microsoft.com/office/mac/drawingml/2011/main" val="0"/>
-            </a:ext>
-          </a:extLst>
-        </p:spPr>
-        <p:txBody>
-          <a:bodyPr/>
-          <a:lstStyle>
-            <a:lvl1pPr>
-              <a:defRPr sz="1200">
-                <a:solidFill>
-                  <a:srgbClr val="F41C76"/>
-                </a:solidFill>
-                <a:latin typeface="Calibri"/>
-                <a:ea typeface="Calibri"/>
-                <a:cs typeface="Calibri"/>
-              </a:defRPr>
-            </a:lvl1pPr>
-          </a:lstStyle>
-          <a:p>
-            <a:pPr algn="l"/>
-            <a:fld id="{F7021451-1387-4CA6-816F-3879F97B5CBC}" type="slidenum">
-              <a:rPr b="0" lang="en-US"/>
+          <a:noFill/>
+          <a:ln/>
+        </p:spPr>
+        <p:txBody>
+          <a:bodyPr wrap="square" rtlCol="0" anchor="ctr"/>
+          <a:lstStyle/>
+          <a:p>
+            <a:pPr algn="ctr" indent="0" marL="0">
+              <a:buNone/>
+            </a:pPr>
+            <a:r>
+              <a:rPr lang="en-US" sz="1200" dirty="0">
+                <a:solidFill>
+                  <a:srgbClr val="131212"/>
+                </a:solidFill>
+                <a:latin typeface="Book Antiqua" pitchFamily="34" charset="0"/>
+                <a:ea typeface="Book Antiqua" pitchFamily="34" charset="-122"/>
+                <a:cs typeface="Book Antiqua" pitchFamily="34" charset="-120"/>
+              </a:rPr>
               <a:t>11</a:t>
-            </a:fld>
-            <a:endParaRPr lang="en-US"/>
+            </a:r>
+            <a:endParaRPr lang="en-US" sz="1200" dirty="0"/>
           </a:p>
         </p:txBody>
       </p:sp>
@@ -6903,7 +6743,48 @@
       </p:sp>
       <p:sp>
         <p:nvSpPr>
-          <p:cNvPr id="4" name="Text 1"/>
+          <p:cNvPr id="4" name="Text 2"/>
+          <p:cNvSpPr/>
+          <p:nvPr>
+            <p:ph idx="106" type="body" hasCustomPrompt="1"/>
+          </p:nvPr>
+        </p:nvSpPr>
+        <p:spPr>
+          <a:xfrm>
+            <a:off x="457200" y="6515100"/>
+            <a:ext cx="640080" cy="365760"/>
+          </a:xfrm>
+          <a:prstGeom prst="rect">
+            <a:avLst/>
+          </a:prstGeom>
+          <a:noFill/>
+          <a:ln/>
+        </p:spPr>
+        <p:txBody>
+          <a:bodyPr wrap="square" rtlCol="0" anchor="ctr"/>
+          <a:lstStyle/>
+          <a:p>
+            <a:pPr algn="ctr" indent="0" marL="0">
+              <a:buNone/>
+            </a:pPr>
+            <a:r>
+              <a:rPr lang="en-US" sz="1200" dirty="0">
+                <a:solidFill>
+                  <a:srgbClr val="131212"/>
+                </a:solidFill>
+                <a:latin typeface="Book Antiqua" pitchFamily="34" charset="0"/>
+                <a:ea typeface="Book Antiqua" pitchFamily="34" charset="-122"/>
+                <a:cs typeface="Book Antiqua" pitchFamily="34" charset="-120"/>
+              </a:rPr>
+              <a:t>12</a:t>
+            </a:r>
+            <a:endParaRPr lang="en-US" sz="1200" dirty="0"/>
+          </a:p>
+        </p:txBody>
+      </p:sp>
+      <p:sp>
+        <p:nvSpPr>
+          <p:cNvPr id="5" name="Text 1"/>
           <p:cNvSpPr/>
           <p:nvPr>
             <p:ph idx="103" type="body" hasCustomPrompt="1"/>
@@ -6933,7 +6814,7 @@
       </p:sp>
       <p:sp>
         <p:nvSpPr>
-          <p:cNvPr id="5" name="Text 1"/>
+          <p:cNvPr id="6" name="Text 1"/>
           <p:cNvSpPr/>
           <p:nvPr>
             <p:ph idx="104" type="body" hasCustomPrompt="1"/>
@@ -6958,54 +6839,6 @@
               <a:buNone/>
             </a:pPr>
             <a:endParaRPr lang="en-US" sz="1600" dirty="0"/>
-          </a:p>
-        </p:txBody>
-      </p:sp>
-      <p:sp>
-        <p:nvSpPr>
-          <p:cNvPr id="25" name="Slide Number Placeholder 0"/>
-          <p:cNvSpPr>
-            <a:spLocks noGrp="1"/>
-          </p:cNvSpPr>
-          <p:nvPr>
-            <p:ph type="sldNum" sz="quarter" idx="4294967295"/>
-          </p:nvPr>
-        </p:nvSpPr>
-        <p:spPr>
-          <a:xfrm>
-            <a:off x="457200" y="6446520"/>
-            <a:ext cx="640080" cy="365760"/>
-          </a:xfrm>
-          <a:prstGeom prst="rect">
-            <a:avLst/>
-          </a:prstGeom>
-          <a:extLst>
-            <a:ext uri="{C572A759-6A51-4108-AA02-DFA0A04FC94B}">
-              <ma14:wrappingTextBoxFlag xmlns:ma14="http://schemas.microsoft.com/office/mac/drawingml/2011/main" val="0"/>
-            </a:ext>
-          </a:extLst>
-        </p:spPr>
-        <p:txBody>
-          <a:bodyPr/>
-          <a:lstStyle>
-            <a:lvl1pPr>
-              <a:defRPr sz="1200">
-                <a:solidFill>
-                  <a:srgbClr val="F41C76"/>
-                </a:solidFill>
-                <a:latin typeface="Calibri"/>
-                <a:ea typeface="Calibri"/>
-                <a:cs typeface="Calibri"/>
-              </a:defRPr>
-            </a:lvl1pPr>
-          </a:lstStyle>
-          <a:p>
-            <a:pPr algn="l"/>
-            <a:fld id="{F7021451-1387-4CA6-816F-3879F97B5CBC}" type="slidenum">
-              <a:rPr b="0" lang="en-US"/>
-              <a:t>12</a:t>
-            </a:fld>
-            <a:endParaRPr lang="en-US"/>
           </a:p>
         </p:txBody>
       </p:sp>
@@ -7134,49 +6967,42 @@
       </p:sp>
       <p:sp>
         <p:nvSpPr>
-          <p:cNvPr id="25" name="Slide Number Placeholder 0"/>
-          <p:cNvSpPr>
-            <a:spLocks noGrp="1"/>
-          </p:cNvSpPr>
-          <p:nvPr>
-            <p:ph type="sldNum" sz="quarter" idx="4294967295"/>
-          </p:nvPr>
-        </p:nvSpPr>
-        <p:spPr>
-          <a:xfrm>
-            <a:off x="457200" y="6446520"/>
+          <p:cNvPr id="4" name="Text 2"/>
+          <p:cNvSpPr/>
+          <p:nvPr>
+            <p:ph idx="104" type="body" hasCustomPrompt="1"/>
+          </p:nvPr>
+        </p:nvSpPr>
+        <p:spPr>
+          <a:xfrm>
+            <a:off x="457200" y="6515100"/>
             <a:ext cx="640080" cy="365760"/>
           </a:xfrm>
           <a:prstGeom prst="rect">
             <a:avLst/>
           </a:prstGeom>
-          <a:extLst>
-            <a:ext uri="{C572A759-6A51-4108-AA02-DFA0A04FC94B}">
-              <ma14:wrappingTextBoxFlag xmlns:ma14="http://schemas.microsoft.com/office/mac/drawingml/2011/main" val="0"/>
-            </a:ext>
-          </a:extLst>
-        </p:spPr>
-        <p:txBody>
-          <a:bodyPr/>
-          <a:lstStyle>
-            <a:lvl1pPr>
-              <a:defRPr sz="1200">
-                <a:solidFill>
-                  <a:srgbClr val="F41C76"/>
-                </a:solidFill>
-                <a:latin typeface="Calibri"/>
-                <a:ea typeface="Calibri"/>
-                <a:cs typeface="Calibri"/>
-              </a:defRPr>
-            </a:lvl1pPr>
-          </a:lstStyle>
-          <a:p>
-            <a:pPr algn="l"/>
-            <a:fld id="{F7021451-1387-4CA6-816F-3879F97B5CBC}" type="slidenum">
-              <a:rPr b="0" lang="en-US"/>
+          <a:noFill/>
+          <a:ln/>
+        </p:spPr>
+        <p:txBody>
+          <a:bodyPr wrap="square" rtlCol="0" anchor="ctr"/>
+          <a:lstStyle/>
+          <a:p>
+            <a:pPr algn="ctr" indent="0" marL="0">
+              <a:buNone/>
+            </a:pPr>
+            <a:r>
+              <a:rPr lang="en-US" sz="1200" dirty="0">
+                <a:solidFill>
+                  <a:srgbClr val="131212"/>
+                </a:solidFill>
+                <a:latin typeface="Book Antiqua" pitchFamily="34" charset="0"/>
+                <a:ea typeface="Book Antiqua" pitchFamily="34" charset="-122"/>
+                <a:cs typeface="Book Antiqua" pitchFamily="34" charset="-120"/>
+              </a:rPr>
               <a:t>13</a:t>
-            </a:fld>
-            <a:endParaRPr lang="en-US"/>
+            </a:r>
+            <a:endParaRPr lang="en-US" sz="1200" dirty="0"/>
           </a:p>
         </p:txBody>
       </p:sp>
@@ -7305,49 +7131,42 @@
       </p:sp>
       <p:sp>
         <p:nvSpPr>
-          <p:cNvPr id="25" name="Slide Number Placeholder 0"/>
-          <p:cNvSpPr>
-            <a:spLocks noGrp="1"/>
-          </p:cNvSpPr>
-          <p:nvPr>
-            <p:ph type="sldNum" sz="quarter" idx="4294967295"/>
-          </p:nvPr>
-        </p:nvSpPr>
-        <p:spPr>
-          <a:xfrm>
-            <a:off x="457200" y="6446520"/>
+          <p:cNvPr id="4" name="Text 2"/>
+          <p:cNvSpPr/>
+          <p:nvPr>
+            <p:ph idx="104" type="body" hasCustomPrompt="1"/>
+          </p:nvPr>
+        </p:nvSpPr>
+        <p:spPr>
+          <a:xfrm>
+            <a:off x="457200" y="6515100"/>
             <a:ext cx="640080" cy="365760"/>
           </a:xfrm>
           <a:prstGeom prst="rect">
             <a:avLst/>
           </a:prstGeom>
-          <a:extLst>
-            <a:ext uri="{C572A759-6A51-4108-AA02-DFA0A04FC94B}">
-              <ma14:wrappingTextBoxFlag xmlns:ma14="http://schemas.microsoft.com/office/mac/drawingml/2011/main" val="0"/>
-            </a:ext>
-          </a:extLst>
-        </p:spPr>
-        <p:txBody>
-          <a:bodyPr/>
-          <a:lstStyle>
-            <a:lvl1pPr>
-              <a:defRPr sz="1200">
-                <a:solidFill>
-                  <a:srgbClr val="F41C76"/>
-                </a:solidFill>
-                <a:latin typeface="Calibri"/>
-                <a:ea typeface="Calibri"/>
-                <a:cs typeface="Calibri"/>
-              </a:defRPr>
-            </a:lvl1pPr>
-          </a:lstStyle>
-          <a:p>
-            <a:pPr algn="l"/>
-            <a:fld id="{F7021451-1387-4CA6-816F-3879F97B5CBC}" type="slidenum">
-              <a:rPr b="0" lang="en-US"/>
+          <a:noFill/>
+          <a:ln/>
+        </p:spPr>
+        <p:txBody>
+          <a:bodyPr wrap="square" rtlCol="0" anchor="ctr"/>
+          <a:lstStyle/>
+          <a:p>
+            <a:pPr algn="ctr" indent="0" marL="0">
+              <a:buNone/>
+            </a:pPr>
+            <a:r>
+              <a:rPr lang="en-US" sz="1200" dirty="0">
+                <a:solidFill>
+                  <a:srgbClr val="131212"/>
+                </a:solidFill>
+                <a:latin typeface="Book Antiqua" pitchFamily="34" charset="0"/>
+                <a:ea typeface="Book Antiqua" pitchFamily="34" charset="-122"/>
+                <a:cs typeface="Book Antiqua" pitchFamily="34" charset="-120"/>
+              </a:rPr>
               <a:t>2</a:t>
-            </a:fld>
-            <a:endParaRPr lang="en-US"/>
+            </a:r>
+            <a:endParaRPr lang="en-US" sz="1200" dirty="0"/>
           </a:p>
         </p:txBody>
       </p:sp>
@@ -7477,7 +7296,48 @@
       </p:sp>
       <p:sp>
         <p:nvSpPr>
-          <p:cNvPr id="4" name="Text 1"/>
+          <p:cNvPr id="4" name="Text 2"/>
+          <p:cNvSpPr/>
+          <p:nvPr>
+            <p:ph idx="106" type="body" hasCustomPrompt="1"/>
+          </p:nvPr>
+        </p:nvSpPr>
+        <p:spPr>
+          <a:xfrm>
+            <a:off x="457200" y="6515100"/>
+            <a:ext cx="640080" cy="365760"/>
+          </a:xfrm>
+          <a:prstGeom prst="rect">
+            <a:avLst/>
+          </a:prstGeom>
+          <a:noFill/>
+          <a:ln/>
+        </p:spPr>
+        <p:txBody>
+          <a:bodyPr wrap="square" rtlCol="0" anchor="ctr"/>
+          <a:lstStyle/>
+          <a:p>
+            <a:pPr algn="ctr" indent="0" marL="0">
+              <a:buNone/>
+            </a:pPr>
+            <a:r>
+              <a:rPr lang="en-US" sz="1200" dirty="0">
+                <a:solidFill>
+                  <a:srgbClr val="131212"/>
+                </a:solidFill>
+                <a:latin typeface="Book Antiqua" pitchFamily="34" charset="0"/>
+                <a:ea typeface="Book Antiqua" pitchFamily="34" charset="-122"/>
+                <a:cs typeface="Book Antiqua" pitchFamily="34" charset="-120"/>
+              </a:rPr>
+              <a:t>3</a:t>
+            </a:r>
+            <a:endParaRPr lang="en-US" sz="1200" dirty="0"/>
+          </a:p>
+        </p:txBody>
+      </p:sp>
+      <p:sp>
+        <p:nvSpPr>
+          <p:cNvPr id="5" name="Text 1"/>
           <p:cNvSpPr/>
           <p:nvPr>
             <p:ph idx="103" type="body" hasCustomPrompt="1"/>
@@ -7507,7 +7367,7 @@
       </p:sp>
       <p:sp>
         <p:nvSpPr>
-          <p:cNvPr id="5" name="Text 1"/>
+          <p:cNvPr id="6" name="Text 1"/>
           <p:cNvSpPr/>
           <p:nvPr>
             <p:ph idx="104" type="body" hasCustomPrompt="1"/>
@@ -7532,54 +7392,6 @@
               <a:buNone/>
             </a:pPr>
             <a:endParaRPr lang="en-US" sz="1600" dirty="0"/>
-          </a:p>
-        </p:txBody>
-      </p:sp>
-      <p:sp>
-        <p:nvSpPr>
-          <p:cNvPr id="25" name="Slide Number Placeholder 0"/>
-          <p:cNvSpPr>
-            <a:spLocks noGrp="1"/>
-          </p:cNvSpPr>
-          <p:nvPr>
-            <p:ph type="sldNum" sz="quarter" idx="4294967295"/>
-          </p:nvPr>
-        </p:nvSpPr>
-        <p:spPr>
-          <a:xfrm>
-            <a:off x="457200" y="6446520"/>
-            <a:ext cx="640080" cy="365760"/>
-          </a:xfrm>
-          <a:prstGeom prst="rect">
-            <a:avLst/>
-          </a:prstGeom>
-          <a:extLst>
-            <a:ext uri="{C572A759-6A51-4108-AA02-DFA0A04FC94B}">
-              <ma14:wrappingTextBoxFlag xmlns:ma14="http://schemas.microsoft.com/office/mac/drawingml/2011/main" val="0"/>
-            </a:ext>
-          </a:extLst>
-        </p:spPr>
-        <p:txBody>
-          <a:bodyPr/>
-          <a:lstStyle>
-            <a:lvl1pPr>
-              <a:defRPr sz="1200">
-                <a:solidFill>
-                  <a:srgbClr val="F41C76"/>
-                </a:solidFill>
-                <a:latin typeface="Calibri"/>
-                <a:ea typeface="Calibri"/>
-                <a:cs typeface="Calibri"/>
-              </a:defRPr>
-            </a:lvl1pPr>
-          </a:lstStyle>
-          <a:p>
-            <a:pPr algn="l"/>
-            <a:fld id="{F7021451-1387-4CA6-816F-3879F97B5CBC}" type="slidenum">
-              <a:rPr b="0" lang="en-US"/>
-              <a:t>3</a:t>
-            </a:fld>
-            <a:endParaRPr lang="en-US"/>
           </a:p>
         </p:txBody>
       </p:sp>
@@ -7633,7 +7445,7 @@
         <p:spPr>
           <a:xfrm>
             <a:off x="758952" y="1828800"/>
-            <a:ext cx="10972800" cy="1828800"/>
+            <a:ext cx="10186416" cy="1828800"/>
           </a:xfrm>
           <a:prstGeom prst="rect">
             <a:avLst/>
@@ -7706,49 +7518,42 @@
       </p:sp>
       <p:sp>
         <p:nvSpPr>
-          <p:cNvPr id="25" name="Slide Number Placeholder 0"/>
-          <p:cNvSpPr>
-            <a:spLocks noGrp="1"/>
-          </p:cNvSpPr>
-          <p:nvPr>
-            <p:ph type="sldNum" sz="quarter" idx="4294967295"/>
-          </p:nvPr>
-        </p:nvSpPr>
-        <p:spPr>
-          <a:xfrm>
-            <a:off x="457200" y="6446520"/>
+          <p:cNvPr id="4" name="Text 2"/>
+          <p:cNvSpPr/>
+          <p:nvPr>
+            <p:ph idx="104" type="body" hasCustomPrompt="1"/>
+          </p:nvPr>
+        </p:nvSpPr>
+        <p:spPr>
+          <a:xfrm>
+            <a:off x="457200" y="6515100"/>
             <a:ext cx="640080" cy="365760"/>
           </a:xfrm>
           <a:prstGeom prst="rect">
             <a:avLst/>
           </a:prstGeom>
-          <a:extLst>
-            <a:ext uri="{C572A759-6A51-4108-AA02-DFA0A04FC94B}">
-              <ma14:wrappingTextBoxFlag xmlns:ma14="http://schemas.microsoft.com/office/mac/drawingml/2011/main" val="0"/>
-            </a:ext>
-          </a:extLst>
-        </p:spPr>
-        <p:txBody>
-          <a:bodyPr/>
-          <a:lstStyle>
-            <a:lvl1pPr>
-              <a:defRPr sz="1200">
-                <a:solidFill>
-                  <a:srgbClr val="F41C76"/>
-                </a:solidFill>
-                <a:latin typeface="Calibri"/>
-                <a:ea typeface="Calibri"/>
-                <a:cs typeface="Calibri"/>
-              </a:defRPr>
-            </a:lvl1pPr>
-          </a:lstStyle>
-          <a:p>
-            <a:pPr algn="l"/>
-            <a:fld id="{F7021451-1387-4CA6-816F-3879F97B5CBC}" type="slidenum">
-              <a:rPr b="0" lang="en-US"/>
+          <a:noFill/>
+          <a:ln/>
+        </p:spPr>
+        <p:txBody>
+          <a:bodyPr wrap="square" rtlCol="0" anchor="ctr"/>
+          <a:lstStyle/>
+          <a:p>
+            <a:pPr algn="ctr" indent="0" marL="0">
+              <a:buNone/>
+            </a:pPr>
+            <a:r>
+              <a:rPr lang="en-US" sz="1200" dirty="0">
+                <a:solidFill>
+                  <a:srgbClr val="131212"/>
+                </a:solidFill>
+                <a:latin typeface="Book Antiqua" pitchFamily="34" charset="0"/>
+                <a:ea typeface="Book Antiqua" pitchFamily="34" charset="-122"/>
+                <a:cs typeface="Book Antiqua" pitchFamily="34" charset="-120"/>
+              </a:rPr>
               <a:t>4</a:t>
-            </a:fld>
-            <a:endParaRPr lang="en-US"/>
+            </a:r>
+            <a:endParaRPr lang="en-US" sz="1200" dirty="0"/>
           </a:p>
         </p:txBody>
       </p:sp>
@@ -7843,7 +7648,7 @@
         <p:spPr>
           <a:xfrm>
             <a:off x="457200" y="457200"/>
-            <a:ext cx="4572000" cy="5943600"/>
+            <a:ext cx="4398264" cy="5751576"/>
           </a:xfrm>
           <a:prstGeom prst="rect">
             <a:avLst/>
@@ -8018,49 +7823,42 @@
       </p:sp>
       <p:sp>
         <p:nvSpPr>
-          <p:cNvPr id="25" name="Slide Number Placeholder 0"/>
-          <p:cNvSpPr>
-            <a:spLocks noGrp="1"/>
-          </p:cNvSpPr>
-          <p:nvPr>
-            <p:ph type="sldNum" sz="quarter" idx="4294967295"/>
-          </p:nvPr>
-        </p:nvSpPr>
-        <p:spPr>
-          <a:xfrm>
-            <a:off x="457200" y="6446520"/>
+          <p:cNvPr id="5" name="Text 2"/>
+          <p:cNvSpPr/>
+          <p:nvPr>
+            <p:ph idx="105" type="body" hasCustomPrompt="1"/>
+          </p:nvPr>
+        </p:nvSpPr>
+        <p:spPr>
+          <a:xfrm>
+            <a:off x="457200" y="6515100"/>
             <a:ext cx="640080" cy="365760"/>
           </a:xfrm>
           <a:prstGeom prst="rect">
             <a:avLst/>
           </a:prstGeom>
-          <a:extLst>
-            <a:ext uri="{C572A759-6A51-4108-AA02-DFA0A04FC94B}">
-              <ma14:wrappingTextBoxFlag xmlns:ma14="http://schemas.microsoft.com/office/mac/drawingml/2011/main" val="0"/>
-            </a:ext>
-          </a:extLst>
-        </p:spPr>
-        <p:txBody>
-          <a:bodyPr/>
-          <a:lstStyle>
-            <a:lvl1pPr>
-              <a:defRPr sz="1200">
-                <a:solidFill>
-                  <a:srgbClr val="F41C76"/>
-                </a:solidFill>
-                <a:latin typeface="Calibri"/>
-                <a:ea typeface="Calibri"/>
-                <a:cs typeface="Calibri"/>
-              </a:defRPr>
-            </a:lvl1pPr>
-          </a:lstStyle>
-          <a:p>
-            <a:pPr algn="l"/>
-            <a:fld id="{F7021451-1387-4CA6-816F-3879F97B5CBC}" type="slidenum">
-              <a:rPr b="0" lang="en-US"/>
+          <a:noFill/>
+          <a:ln/>
+        </p:spPr>
+        <p:txBody>
+          <a:bodyPr wrap="square" rtlCol="0" anchor="ctr"/>
+          <a:lstStyle/>
+          <a:p>
+            <a:pPr algn="ctr" indent="0" marL="0">
+              <a:buNone/>
+            </a:pPr>
+            <a:r>
+              <a:rPr lang="en-US" sz="1200" dirty="0">
+                <a:solidFill>
+                  <a:srgbClr val="131212"/>
+                </a:solidFill>
+                <a:latin typeface="Book Antiqua" pitchFamily="34" charset="0"/>
+                <a:ea typeface="Book Antiqua" pitchFamily="34" charset="-122"/>
+                <a:cs typeface="Book Antiqua" pitchFamily="34" charset="-120"/>
+              </a:rPr>
               <a:t>5</a:t>
-            </a:fld>
-            <a:endParaRPr lang="en-US"/>
+            </a:r>
+            <a:endParaRPr lang="en-US" sz="1200" dirty="0"/>
           </a:p>
         </p:txBody>
       </p:sp>
@@ -8412,49 +8210,42 @@
       </p:sp>
       <p:sp>
         <p:nvSpPr>
-          <p:cNvPr id="25" name="Slide Number Placeholder 0"/>
-          <p:cNvSpPr>
-            <a:spLocks noGrp="1"/>
-          </p:cNvSpPr>
-          <p:nvPr>
-            <p:ph type="sldNum" sz="quarter" idx="4294967295"/>
-          </p:nvPr>
-        </p:nvSpPr>
-        <p:spPr>
-          <a:xfrm>
-            <a:off x="457200" y="6446520"/>
+          <p:cNvPr id="7" name="Text 2"/>
+          <p:cNvSpPr/>
+          <p:nvPr>
+            <p:ph idx="107" type="body" hasCustomPrompt="1"/>
+          </p:nvPr>
+        </p:nvSpPr>
+        <p:spPr>
+          <a:xfrm>
+            <a:off x="457200" y="6515100"/>
             <a:ext cx="640080" cy="365760"/>
           </a:xfrm>
           <a:prstGeom prst="rect">
             <a:avLst/>
           </a:prstGeom>
-          <a:extLst>
-            <a:ext uri="{C572A759-6A51-4108-AA02-DFA0A04FC94B}">
-              <ma14:wrappingTextBoxFlag xmlns:ma14="http://schemas.microsoft.com/office/mac/drawingml/2011/main" val="0"/>
-            </a:ext>
-          </a:extLst>
-        </p:spPr>
-        <p:txBody>
-          <a:bodyPr/>
-          <a:lstStyle>
-            <a:lvl1pPr>
-              <a:defRPr sz="1200">
-                <a:solidFill>
-                  <a:srgbClr val="F41C76"/>
-                </a:solidFill>
-                <a:latin typeface="Calibri"/>
-                <a:ea typeface="Calibri"/>
-                <a:cs typeface="Calibri"/>
-              </a:defRPr>
-            </a:lvl1pPr>
-          </a:lstStyle>
-          <a:p>
-            <a:pPr algn="l"/>
-            <a:fld id="{F7021451-1387-4CA6-816F-3879F97B5CBC}" type="slidenum">
-              <a:rPr b="0" lang="en-US"/>
+          <a:noFill/>
+          <a:ln/>
+        </p:spPr>
+        <p:txBody>
+          <a:bodyPr wrap="square" rtlCol="0" anchor="ctr"/>
+          <a:lstStyle/>
+          <a:p>
+            <a:pPr algn="ctr" indent="0" marL="0">
+              <a:buNone/>
+            </a:pPr>
+            <a:r>
+              <a:rPr lang="en-US" sz="1200" dirty="0">
+                <a:solidFill>
+                  <a:srgbClr val="131212"/>
+                </a:solidFill>
+                <a:latin typeface="Book Antiqua" pitchFamily="34" charset="0"/>
+                <a:ea typeface="Book Antiqua" pitchFamily="34" charset="-122"/>
+                <a:cs typeface="Book Antiqua" pitchFamily="34" charset="-120"/>
+              </a:rPr>
               <a:t>6</a:t>
-            </a:fld>
-            <a:endParaRPr lang="en-US"/>
+            </a:r>
+            <a:endParaRPr lang="en-US" sz="1200" dirty="0"/>
           </a:p>
         </p:txBody>
       </p:sp>
@@ -8567,7 +8358,7 @@
             <a:r>
               <a:rPr lang="en-US" sz="2000" dirty="0">
                 <a:solidFill>
-                  <a:srgbClr val="090909"/>
+                  <a:srgbClr val="131212"/>
                 </a:solidFill>
                 <a:latin typeface="Book Antiqua" pitchFamily="34" charset="0"/>
                 <a:ea typeface="Book Antiqua" pitchFamily="34" charset="-122"/>
@@ -8608,7 +8399,7 @@
             <a:r>
               <a:rPr lang="en-US" sz="2000" dirty="0">
                 <a:solidFill>
-                  <a:srgbClr val="090909"/>
+                  <a:srgbClr val="131212"/>
                 </a:solidFill>
                 <a:latin typeface="Book Antiqua" pitchFamily="34" charset="0"/>
                 <a:ea typeface="Book Antiqua" pitchFamily="34" charset="-122"/>
@@ -8649,7 +8440,7 @@
             <a:r>
               <a:rPr lang="en-US" sz="2000" dirty="0">
                 <a:solidFill>
-                  <a:srgbClr val="090909"/>
+                  <a:srgbClr val="131212"/>
                 </a:solidFill>
                 <a:latin typeface="Book Antiqua" pitchFamily="34" charset="0"/>
                 <a:ea typeface="Book Antiqua" pitchFamily="34" charset="-122"/>
@@ -8822,49 +8613,42 @@
       </p:pic>
       <p:sp>
         <p:nvSpPr>
-          <p:cNvPr id="25" name="Slide Number Placeholder 0"/>
-          <p:cNvSpPr>
-            <a:spLocks noGrp="1"/>
-          </p:cNvSpPr>
-          <p:nvPr>
-            <p:ph type="sldNum" sz="quarter" idx="4294967295"/>
-          </p:nvPr>
-        </p:nvSpPr>
-        <p:spPr>
-          <a:xfrm>
-            <a:off x="457200" y="6446520"/>
+          <p:cNvPr id="12" name="Text 2"/>
+          <p:cNvSpPr/>
+          <p:nvPr>
+            <p:ph idx="109" type="body" hasCustomPrompt="1"/>
+          </p:nvPr>
+        </p:nvSpPr>
+        <p:spPr>
+          <a:xfrm>
+            <a:off x="457200" y="6515100"/>
             <a:ext cx="640080" cy="365760"/>
           </a:xfrm>
           <a:prstGeom prst="rect">
             <a:avLst/>
           </a:prstGeom>
-          <a:extLst>
-            <a:ext uri="{C572A759-6A51-4108-AA02-DFA0A04FC94B}">
-              <ma14:wrappingTextBoxFlag xmlns:ma14="http://schemas.microsoft.com/office/mac/drawingml/2011/main" val="0"/>
-            </a:ext>
-          </a:extLst>
-        </p:spPr>
-        <p:txBody>
-          <a:bodyPr/>
-          <a:lstStyle>
-            <a:lvl1pPr>
-              <a:defRPr sz="1200">
-                <a:solidFill>
-                  <a:srgbClr val="F41C76"/>
-                </a:solidFill>
-                <a:latin typeface="Calibri"/>
-                <a:ea typeface="Calibri"/>
-                <a:cs typeface="Calibri"/>
-              </a:defRPr>
-            </a:lvl1pPr>
-          </a:lstStyle>
-          <a:p>
-            <a:pPr algn="l"/>
-            <a:fld id="{F7021451-1387-4CA6-816F-3879F97B5CBC}" type="slidenum">
-              <a:rPr b="0" lang="en-US"/>
+          <a:noFill/>
+          <a:ln/>
+        </p:spPr>
+        <p:txBody>
+          <a:bodyPr wrap="square" rtlCol="0" anchor="ctr"/>
+          <a:lstStyle/>
+          <a:p>
+            <a:pPr algn="ctr" indent="0" marL="0">
+              <a:buNone/>
+            </a:pPr>
+            <a:r>
+              <a:rPr lang="en-US" sz="1200" dirty="0">
+                <a:solidFill>
+                  <a:srgbClr val="131212"/>
+                </a:solidFill>
+                <a:latin typeface="Book Antiqua" pitchFamily="34" charset="0"/>
+                <a:ea typeface="Book Antiqua" pitchFamily="34" charset="-122"/>
+                <a:cs typeface="Book Antiqua" pitchFamily="34" charset="-120"/>
+              </a:rPr>
               <a:t>7</a:t>
-            </a:fld>
-            <a:endParaRPr lang="en-US"/>
+            </a:r>
+            <a:endParaRPr lang="en-US" sz="1200" dirty="0"/>
           </a:p>
         </p:txBody>
       </p:sp>
@@ -8934,7 +8718,7 @@
               <a:buNone/>
             </a:pPr>
             <a:r>
-              <a:rPr lang="en-US" sz="2800" b="1" dirty="0">
+              <a:rPr lang="en-US" sz="2800" dirty="0">
                 <a:solidFill>
                   <a:srgbClr val="090909"/>
                 </a:solidFill>
@@ -9034,49 +8818,42 @@
       </p:sp>
       <p:sp>
         <p:nvSpPr>
-          <p:cNvPr id="25" name="Slide Number Placeholder 0"/>
-          <p:cNvSpPr>
-            <a:spLocks noGrp="1"/>
-          </p:cNvSpPr>
-          <p:nvPr>
-            <p:ph type="sldNum" sz="quarter" idx="4294967295"/>
-          </p:nvPr>
-        </p:nvSpPr>
-        <p:spPr>
-          <a:xfrm>
-            <a:off x="457200" y="6446520"/>
+          <p:cNvPr id="5" name="Text 2"/>
+          <p:cNvSpPr/>
+          <p:nvPr>
+            <p:ph idx="105" type="body" hasCustomPrompt="1"/>
+          </p:nvPr>
+        </p:nvSpPr>
+        <p:spPr>
+          <a:xfrm>
+            <a:off x="457200" y="6515100"/>
             <a:ext cx="640080" cy="365760"/>
           </a:xfrm>
           <a:prstGeom prst="rect">
             <a:avLst/>
           </a:prstGeom>
-          <a:extLst>
-            <a:ext uri="{C572A759-6A51-4108-AA02-DFA0A04FC94B}">
-              <ma14:wrappingTextBoxFlag xmlns:ma14="http://schemas.microsoft.com/office/mac/drawingml/2011/main" val="0"/>
-            </a:ext>
-          </a:extLst>
-        </p:spPr>
-        <p:txBody>
-          <a:bodyPr/>
-          <a:lstStyle>
-            <a:lvl1pPr>
-              <a:defRPr sz="1200">
-                <a:solidFill>
-                  <a:srgbClr val="F41C76"/>
-                </a:solidFill>
-                <a:latin typeface="Calibri"/>
-                <a:ea typeface="Calibri"/>
-                <a:cs typeface="Calibri"/>
-              </a:defRPr>
-            </a:lvl1pPr>
-          </a:lstStyle>
-          <a:p>
-            <a:pPr algn="l"/>
-            <a:fld id="{F7021451-1387-4CA6-816F-3879F97B5CBC}" type="slidenum">
-              <a:rPr b="0" lang="en-US"/>
+          <a:noFill/>
+          <a:ln/>
+        </p:spPr>
+        <p:txBody>
+          <a:bodyPr wrap="square" rtlCol="0" anchor="ctr"/>
+          <a:lstStyle/>
+          <a:p>
+            <a:pPr algn="ctr" indent="0" marL="0">
+              <a:buNone/>
+            </a:pPr>
+            <a:r>
+              <a:rPr lang="en-US" sz="1200" dirty="0">
+                <a:solidFill>
+                  <a:srgbClr val="131212"/>
+                </a:solidFill>
+                <a:latin typeface="Book Antiqua" pitchFamily="34" charset="0"/>
+                <a:ea typeface="Book Antiqua" pitchFamily="34" charset="-122"/>
+                <a:cs typeface="Book Antiqua" pitchFamily="34" charset="-120"/>
+              </a:rPr>
               <a:t>8</a:t>
-            </a:fld>
-            <a:endParaRPr lang="en-US"/>
+            </a:r>
+            <a:endParaRPr lang="en-US" sz="1200" dirty="0"/>
           </a:p>
         </p:txBody>
       </p:sp>
@@ -9146,7 +8923,7 @@
               <a:buNone/>
             </a:pPr>
             <a:r>
-              <a:rPr lang="en-US" sz="2800" b="1" dirty="0">
+              <a:rPr lang="en-US" sz="2800" dirty="0">
                 <a:solidFill>
                   <a:srgbClr val="090909"/>
                 </a:solidFill>
@@ -9246,49 +9023,42 @@
       </p:sp>
       <p:sp>
         <p:nvSpPr>
-          <p:cNvPr id="25" name="Slide Number Placeholder 0"/>
-          <p:cNvSpPr>
-            <a:spLocks noGrp="1"/>
-          </p:cNvSpPr>
-          <p:nvPr>
-            <p:ph type="sldNum" sz="quarter" idx="4294967295"/>
-          </p:nvPr>
-        </p:nvSpPr>
-        <p:spPr>
-          <a:xfrm>
-            <a:off x="457200" y="6446520"/>
+          <p:cNvPr id="5" name="Text 2"/>
+          <p:cNvSpPr/>
+          <p:nvPr>
+            <p:ph idx="105" type="body" hasCustomPrompt="1"/>
+          </p:nvPr>
+        </p:nvSpPr>
+        <p:spPr>
+          <a:xfrm>
+            <a:off x="457200" y="6515100"/>
             <a:ext cx="640080" cy="365760"/>
           </a:xfrm>
           <a:prstGeom prst="rect">
             <a:avLst/>
           </a:prstGeom>
-          <a:extLst>
-            <a:ext uri="{C572A759-6A51-4108-AA02-DFA0A04FC94B}">
-              <ma14:wrappingTextBoxFlag xmlns:ma14="http://schemas.microsoft.com/office/mac/drawingml/2011/main" val="0"/>
-            </a:ext>
-          </a:extLst>
-        </p:spPr>
-        <p:txBody>
-          <a:bodyPr/>
-          <a:lstStyle>
-            <a:lvl1pPr>
-              <a:defRPr sz="1200">
-                <a:solidFill>
-                  <a:srgbClr val="F41C76"/>
-                </a:solidFill>
-                <a:latin typeface="Calibri"/>
-                <a:ea typeface="Calibri"/>
-                <a:cs typeface="Calibri"/>
-              </a:defRPr>
-            </a:lvl1pPr>
-          </a:lstStyle>
-          <a:p>
-            <a:pPr algn="l"/>
-            <a:fld id="{F7021451-1387-4CA6-816F-3879F97B5CBC}" type="slidenum">
-              <a:rPr b="0" lang="en-US"/>
+          <a:noFill/>
+          <a:ln/>
+        </p:spPr>
+        <p:txBody>
+          <a:bodyPr wrap="square" rtlCol="0" anchor="ctr"/>
+          <a:lstStyle/>
+          <a:p>
+            <a:pPr algn="ctr" indent="0" marL="0">
+              <a:buNone/>
+            </a:pPr>
+            <a:r>
+              <a:rPr lang="en-US" sz="1200" dirty="0">
+                <a:solidFill>
+                  <a:srgbClr val="131212"/>
+                </a:solidFill>
+                <a:latin typeface="Book Antiqua" pitchFamily="34" charset="0"/>
+                <a:ea typeface="Book Antiqua" pitchFamily="34" charset="-122"/>
+                <a:cs typeface="Book Antiqua" pitchFamily="34" charset="-120"/>
+              </a:rPr>
               <a:t>9</a:t>
-            </a:fld>
-            <a:endParaRPr lang="en-US"/>
+            </a:r>
+            <a:endParaRPr lang="en-US" sz="1200" dirty="0"/>
           </a:p>
         </p:txBody>
       </p:sp>
